--- a/04-VUE-CLI-Router-Components/vue-cli.pptx
+++ b/04-VUE-CLI-Router-Components/vue-cli.pptx
@@ -8,9 +8,10 @@
     <p:sldId id="256" r:id="rId2"/>
     <p:sldId id="268" r:id="rId3"/>
     <p:sldId id="269" r:id="rId4"/>
-    <p:sldId id="270" r:id="rId5"/>
-    <p:sldId id="272" r:id="rId6"/>
-    <p:sldId id="271" r:id="rId7"/>
+    <p:sldId id="273" r:id="rId5"/>
+    <p:sldId id="270" r:id="rId6"/>
+    <p:sldId id="272" r:id="rId7"/>
+    <p:sldId id="271" r:id="rId8"/>
   </p:sldIdLst>
   <p:sldSz cx="12192000" cy="6858000"/>
   <p:notesSz cx="6858000" cy="9144000"/>
@@ -276,7 +277,7 @@
           <a:p>
             <a:fld id="{55B5673A-2C76-400E-AECF-A7C5CD58B306}" type="datetimeFigureOut">
               <a:rPr lang="zh-TW" altLang="en-US" smtClean="0"/>
-              <a:t>2020/10/25</a:t>
+              <a:t>2020/10/27</a:t>
             </a:fld>
             <a:endParaRPr lang="zh-TW" altLang="en-US"/>
           </a:p>
@@ -474,7 +475,7 @@
           <a:p>
             <a:fld id="{55B5673A-2C76-400E-AECF-A7C5CD58B306}" type="datetimeFigureOut">
               <a:rPr lang="zh-TW" altLang="en-US" smtClean="0"/>
-              <a:t>2020/10/25</a:t>
+              <a:t>2020/10/27</a:t>
             </a:fld>
             <a:endParaRPr lang="zh-TW" altLang="en-US"/>
           </a:p>
@@ -682,7 +683,7 @@
           <a:p>
             <a:fld id="{55B5673A-2C76-400E-AECF-A7C5CD58B306}" type="datetimeFigureOut">
               <a:rPr lang="zh-TW" altLang="en-US" smtClean="0"/>
-              <a:t>2020/10/25</a:t>
+              <a:t>2020/10/27</a:t>
             </a:fld>
             <a:endParaRPr lang="zh-TW" altLang="en-US"/>
           </a:p>
@@ -880,7 +881,7 @@
           <a:p>
             <a:fld id="{55B5673A-2C76-400E-AECF-A7C5CD58B306}" type="datetimeFigureOut">
               <a:rPr lang="zh-TW" altLang="en-US" smtClean="0"/>
-              <a:t>2020/10/25</a:t>
+              <a:t>2020/10/27</a:t>
             </a:fld>
             <a:endParaRPr lang="zh-TW" altLang="en-US"/>
           </a:p>
@@ -1155,7 +1156,7 @@
           <a:p>
             <a:fld id="{55B5673A-2C76-400E-AECF-A7C5CD58B306}" type="datetimeFigureOut">
               <a:rPr lang="zh-TW" altLang="en-US" smtClean="0"/>
-              <a:t>2020/10/25</a:t>
+              <a:t>2020/10/27</a:t>
             </a:fld>
             <a:endParaRPr lang="zh-TW" altLang="en-US"/>
           </a:p>
@@ -1420,7 +1421,7 @@
           <a:p>
             <a:fld id="{55B5673A-2C76-400E-AECF-A7C5CD58B306}" type="datetimeFigureOut">
               <a:rPr lang="zh-TW" altLang="en-US" smtClean="0"/>
-              <a:t>2020/10/25</a:t>
+              <a:t>2020/10/27</a:t>
             </a:fld>
             <a:endParaRPr lang="zh-TW" altLang="en-US"/>
           </a:p>
@@ -1832,7 +1833,7 @@
           <a:p>
             <a:fld id="{55B5673A-2C76-400E-AECF-A7C5CD58B306}" type="datetimeFigureOut">
               <a:rPr lang="zh-TW" altLang="en-US" smtClean="0"/>
-              <a:t>2020/10/25</a:t>
+              <a:t>2020/10/27</a:t>
             </a:fld>
             <a:endParaRPr lang="zh-TW" altLang="en-US"/>
           </a:p>
@@ -1973,7 +1974,7 @@
           <a:p>
             <a:fld id="{55B5673A-2C76-400E-AECF-A7C5CD58B306}" type="datetimeFigureOut">
               <a:rPr lang="zh-TW" altLang="en-US" smtClean="0"/>
-              <a:t>2020/10/25</a:t>
+              <a:t>2020/10/27</a:t>
             </a:fld>
             <a:endParaRPr lang="zh-TW" altLang="en-US"/>
           </a:p>
@@ -2086,7 +2087,7 @@
           <a:p>
             <a:fld id="{55B5673A-2C76-400E-AECF-A7C5CD58B306}" type="datetimeFigureOut">
               <a:rPr lang="zh-TW" altLang="en-US" smtClean="0"/>
-              <a:t>2020/10/25</a:t>
+              <a:t>2020/10/27</a:t>
             </a:fld>
             <a:endParaRPr lang="zh-TW" altLang="en-US"/>
           </a:p>
@@ -2397,7 +2398,7 @@
           <a:p>
             <a:fld id="{55B5673A-2C76-400E-AECF-A7C5CD58B306}" type="datetimeFigureOut">
               <a:rPr lang="zh-TW" altLang="en-US" smtClean="0"/>
-              <a:t>2020/10/25</a:t>
+              <a:t>2020/10/27</a:t>
             </a:fld>
             <a:endParaRPr lang="zh-TW" altLang="en-US"/>
           </a:p>
@@ -2685,7 +2686,7 @@
           <a:p>
             <a:fld id="{55B5673A-2C76-400E-AECF-A7C5CD58B306}" type="datetimeFigureOut">
               <a:rPr lang="zh-TW" altLang="en-US" smtClean="0"/>
-              <a:t>2020/10/25</a:t>
+              <a:t>2020/10/27</a:t>
             </a:fld>
             <a:endParaRPr lang="zh-TW" altLang="en-US"/>
           </a:p>
@@ -2929,7 +2930,7 @@
           <a:p>
             <a:fld id="{55B5673A-2C76-400E-AECF-A7C5CD58B306}" type="datetimeFigureOut">
               <a:rPr lang="zh-TW" altLang="en-US" smtClean="0"/>
-              <a:t>2020/10/25</a:t>
+              <a:t>2020/10/27</a:t>
             </a:fld>
             <a:endParaRPr lang="zh-TW" altLang="en-US"/>
           </a:p>
@@ -4882,6 +4883,482 @@
           <a:chExt cx="0" cy="0"/>
         </a:xfrm>
       </p:grpSpPr>
+      <p:pic>
+        <p:nvPicPr>
+          <p:cNvPr id="3" name="圖片 2">
+            <a:extLst>
+              <a:ext uri="{FF2B5EF4-FFF2-40B4-BE49-F238E27FC236}">
+                <a16:creationId xmlns:a16="http://schemas.microsoft.com/office/drawing/2014/main" id="{842875D3-54D8-4CC3-86FB-A9B911C5A998}"/>
+              </a:ext>
+            </a:extLst>
+          </p:cNvPr>
+          <p:cNvPicPr>
+            <a:picLocks noChangeAspect="1"/>
+          </p:cNvPicPr>
+          <p:nvPr/>
+        </p:nvPicPr>
+        <p:blipFill>
+          <a:blip r:embed="rId2">
+            <a:extLst>
+              <a:ext uri="{28A0092B-C50C-407E-A947-70E740481C1C}">
+                <a14:useLocalDpi xmlns:a14="http://schemas.microsoft.com/office/drawing/2010/main" val="0"/>
+              </a:ext>
+            </a:extLst>
+          </a:blip>
+          <a:stretch>
+            <a:fillRect/>
+          </a:stretch>
+        </p:blipFill>
+        <p:spPr>
+          <a:xfrm>
+            <a:off x="657758" y="794128"/>
+            <a:ext cx="5353050" cy="1257300"/>
+          </a:xfrm>
+          <a:prstGeom prst="rect">
+            <a:avLst/>
+          </a:prstGeom>
+        </p:spPr>
+      </p:pic>
+      <p:sp>
+        <p:nvSpPr>
+          <p:cNvPr id="5" name="文字方塊 4">
+            <a:extLst>
+              <a:ext uri="{FF2B5EF4-FFF2-40B4-BE49-F238E27FC236}">
+                <a16:creationId xmlns:a16="http://schemas.microsoft.com/office/drawing/2014/main" id="{98774E5B-071B-4ACF-A7AC-42160BCE2DF4}"/>
+              </a:ext>
+            </a:extLst>
+          </p:cNvPr>
+          <p:cNvSpPr txBox="1"/>
+          <p:nvPr/>
+        </p:nvSpPr>
+        <p:spPr>
+          <a:xfrm>
+            <a:off x="583926" y="2285562"/>
+            <a:ext cx="6265556" cy="4109715"/>
+          </a:xfrm>
+          <a:prstGeom prst="rect">
+            <a:avLst/>
+          </a:prstGeom>
+          <a:noFill/>
+        </p:spPr>
+        <p:txBody>
+          <a:bodyPr wrap="square">
+            <a:spAutoFit/>
+          </a:bodyPr>
+          <a:lstStyle/>
+          <a:p>
+            <a:pPr marL="285750" indent="-285750">
+              <a:lnSpc>
+                <a:spcPct val="150000"/>
+              </a:lnSpc>
+              <a:buFont typeface="Arial" panose="020B0604020202020204" pitchFamily="34" charset="0"/>
+              <a:buChar char="•"/>
+            </a:pPr>
+            <a:r>
+              <a:rPr lang="zh-TW" altLang="en-US" sz="1600" b="1" dirty="0">
+                <a:solidFill>
+                  <a:schemeClr val="bg1">
+                    <a:lumMod val="95000"/>
+                  </a:schemeClr>
+                </a:solidFill>
+                <a:latin typeface="微軟正黑體" panose="020B0604030504040204" pitchFamily="34" charset="-120"/>
+                <a:ea typeface="微軟正黑體" panose="020B0604030504040204" pitchFamily="34" charset="-120"/>
+              </a:rPr>
+              <a:t>node_modules ：</a:t>
+            </a:r>
+            <a:r>
+              <a:rPr lang="zh-TW" altLang="en-US" sz="1600" dirty="0">
+                <a:solidFill>
+                  <a:schemeClr val="bg1">
+                    <a:lumMod val="95000"/>
+                  </a:schemeClr>
+                </a:solidFill>
+                <a:latin typeface="微軟正黑體" panose="020B0604030504040204" pitchFamily="34" charset="-120"/>
+                <a:ea typeface="微軟正黑體" panose="020B0604030504040204" pitchFamily="34" charset="-120"/>
+              </a:rPr>
+              <a:t>就是我們透過npm下載下來的套件跟工具都會放在這個資料夾裡面。</a:t>
+            </a:r>
+            <a:endParaRPr lang="en-US" altLang="zh-TW" sz="1600" dirty="0">
+              <a:solidFill>
+                <a:schemeClr val="bg1">
+                  <a:lumMod val="95000"/>
+                </a:schemeClr>
+              </a:solidFill>
+              <a:latin typeface="微軟正黑體" panose="020B0604030504040204" pitchFamily="34" charset="-120"/>
+              <a:ea typeface="微軟正黑體" panose="020B0604030504040204" pitchFamily="34" charset="-120"/>
+            </a:endParaRPr>
+          </a:p>
+          <a:p>
+            <a:pPr marL="285750" indent="-285750">
+              <a:lnSpc>
+                <a:spcPct val="150000"/>
+              </a:lnSpc>
+              <a:buFont typeface="Arial" panose="020B0604020202020204" pitchFamily="34" charset="0"/>
+              <a:buChar char="•"/>
+            </a:pPr>
+            <a:r>
+              <a:rPr lang="en-US" altLang="zh-TW" sz="1600" b="1" dirty="0" err="1">
+                <a:solidFill>
+                  <a:schemeClr val="bg1">
+                    <a:lumMod val="95000"/>
+                  </a:schemeClr>
+                </a:solidFill>
+                <a:latin typeface="微軟正黑體" panose="020B0604030504040204" pitchFamily="34" charset="-120"/>
+                <a:ea typeface="微軟正黑體" panose="020B0604030504040204" pitchFamily="34" charset="-120"/>
+              </a:rPr>
+              <a:t>package.json</a:t>
+            </a:r>
+            <a:r>
+              <a:rPr lang="zh-TW" altLang="en-US" sz="1600" b="1" dirty="0">
+                <a:solidFill>
+                  <a:schemeClr val="bg1">
+                    <a:lumMod val="95000"/>
+                  </a:schemeClr>
+                </a:solidFill>
+                <a:latin typeface="微軟正黑體" panose="020B0604030504040204" pitchFamily="34" charset="-120"/>
+                <a:ea typeface="微軟正黑體" panose="020B0604030504040204" pitchFamily="34" charset="-120"/>
+              </a:rPr>
+              <a:t>：</a:t>
+            </a:r>
+            <a:r>
+              <a:rPr lang="zh-TW" altLang="en-US" sz="1600" dirty="0">
+                <a:solidFill>
+                  <a:schemeClr val="bg1">
+                    <a:lumMod val="95000"/>
+                  </a:schemeClr>
+                </a:solidFill>
+                <a:latin typeface="微軟正黑體" panose="020B0604030504040204" pitchFamily="34" charset="-120"/>
+                <a:ea typeface="微軟正黑體" panose="020B0604030504040204" pitchFamily="34" charset="-120"/>
+              </a:rPr>
+              <a:t>關於這整包專案所有的資訊，包含我們安裝的套件版本，專案版本，</a:t>
+            </a:r>
+            <a:r>
+              <a:rPr lang="en-US" altLang="zh-TW" sz="1600" dirty="0" err="1">
+                <a:solidFill>
+                  <a:schemeClr val="bg1">
+                    <a:lumMod val="95000"/>
+                  </a:schemeClr>
+                </a:solidFill>
+                <a:latin typeface="微軟正黑體" panose="020B0604030504040204" pitchFamily="34" charset="-120"/>
+                <a:ea typeface="微軟正黑體" panose="020B0604030504040204" pitchFamily="34" charset="-120"/>
+              </a:rPr>
+              <a:t>npm</a:t>
+            </a:r>
+            <a:r>
+              <a:rPr lang="zh-TW" altLang="en-US" sz="1600" dirty="0">
+                <a:solidFill>
+                  <a:schemeClr val="bg1">
+                    <a:lumMod val="95000"/>
+                  </a:schemeClr>
+                </a:solidFill>
+                <a:latin typeface="微軟正黑體" panose="020B0604030504040204" pitchFamily="34" charset="-120"/>
+                <a:ea typeface="微軟正黑體" panose="020B0604030504040204" pitchFamily="34" charset="-120"/>
+              </a:rPr>
+              <a:t>指令都可以在這個</a:t>
+            </a:r>
+            <a:r>
+              <a:rPr lang="en-US" altLang="zh-TW" sz="1600" dirty="0">
+                <a:solidFill>
+                  <a:schemeClr val="bg1">
+                    <a:lumMod val="95000"/>
+                  </a:schemeClr>
+                </a:solidFill>
+                <a:latin typeface="微軟正黑體" panose="020B0604030504040204" pitchFamily="34" charset="-120"/>
+                <a:ea typeface="微軟正黑體" panose="020B0604030504040204" pitchFamily="34" charset="-120"/>
+              </a:rPr>
+              <a:t>json</a:t>
+            </a:r>
+            <a:r>
+              <a:rPr lang="zh-TW" altLang="en-US" sz="1600" dirty="0">
+                <a:solidFill>
+                  <a:schemeClr val="bg1">
+                    <a:lumMod val="95000"/>
+                  </a:schemeClr>
+                </a:solidFill>
+                <a:latin typeface="微軟正黑體" panose="020B0604030504040204" pitchFamily="34" charset="-120"/>
+                <a:ea typeface="微軟正黑體" panose="020B0604030504040204" pitchFamily="34" charset="-120"/>
+              </a:rPr>
+              <a:t>檔案裡面找得到，之後要搬移專案重新安裝套件也需要靠這個</a:t>
+            </a:r>
+            <a:r>
+              <a:rPr lang="en-US" altLang="zh-TW" sz="1600" dirty="0">
+                <a:solidFill>
+                  <a:schemeClr val="bg1">
+                    <a:lumMod val="95000"/>
+                  </a:schemeClr>
+                </a:solidFill>
+                <a:latin typeface="微軟正黑體" panose="020B0604030504040204" pitchFamily="34" charset="-120"/>
+                <a:ea typeface="微軟正黑體" panose="020B0604030504040204" pitchFamily="34" charset="-120"/>
+              </a:rPr>
+              <a:t>json</a:t>
+            </a:r>
+            <a:r>
+              <a:rPr lang="zh-TW" altLang="en-US" sz="1600" dirty="0">
+                <a:solidFill>
+                  <a:schemeClr val="bg1">
+                    <a:lumMod val="95000"/>
+                  </a:schemeClr>
+                </a:solidFill>
+                <a:latin typeface="微軟正黑體" panose="020B0604030504040204" pitchFamily="34" charset="-120"/>
+                <a:ea typeface="微軟正黑體" panose="020B0604030504040204" pitchFamily="34" charset="-120"/>
+              </a:rPr>
+              <a:t>檔案</a:t>
+            </a:r>
+            <a:endParaRPr lang="en-US" altLang="zh-TW" sz="1600" dirty="0">
+              <a:solidFill>
+                <a:schemeClr val="bg1">
+                  <a:lumMod val="95000"/>
+                </a:schemeClr>
+              </a:solidFill>
+              <a:latin typeface="微軟正黑體" panose="020B0604030504040204" pitchFamily="34" charset="-120"/>
+              <a:ea typeface="微軟正黑體" panose="020B0604030504040204" pitchFamily="34" charset="-120"/>
+            </a:endParaRPr>
+          </a:p>
+          <a:p>
+            <a:pPr marL="285750" indent="-285750">
+              <a:lnSpc>
+                <a:spcPct val="150000"/>
+              </a:lnSpc>
+              <a:buFont typeface="Arial" panose="020B0604020202020204" pitchFamily="34" charset="0"/>
+              <a:buChar char="•"/>
+            </a:pPr>
+            <a:r>
+              <a:rPr lang="en-US" altLang="zh-TW" sz="1600" b="1" dirty="0">
+                <a:solidFill>
+                  <a:schemeClr val="bg1">
+                    <a:lumMod val="95000"/>
+                  </a:schemeClr>
+                </a:solidFill>
+                <a:latin typeface="微軟正黑體" panose="020B0604030504040204" pitchFamily="34" charset="-120"/>
+                <a:ea typeface="微軟正黑體" panose="020B0604030504040204" pitchFamily="34" charset="-120"/>
+              </a:rPr>
+              <a:t>package-</a:t>
+            </a:r>
+            <a:r>
+              <a:rPr lang="en-US" altLang="zh-TW" sz="1600" b="1" dirty="0" err="1">
+                <a:solidFill>
+                  <a:schemeClr val="bg1">
+                    <a:lumMod val="95000"/>
+                  </a:schemeClr>
+                </a:solidFill>
+                <a:latin typeface="微軟正黑體" panose="020B0604030504040204" pitchFamily="34" charset="-120"/>
+                <a:ea typeface="微軟正黑體" panose="020B0604030504040204" pitchFamily="34" charset="-120"/>
+              </a:rPr>
+              <a:t>lock.json</a:t>
+            </a:r>
+            <a:r>
+              <a:rPr lang="zh-TW" altLang="en-US" sz="1600" b="1" dirty="0">
+                <a:solidFill>
+                  <a:schemeClr val="bg1">
+                    <a:lumMod val="95000"/>
+                  </a:schemeClr>
+                </a:solidFill>
+                <a:latin typeface="微軟正黑體" panose="020B0604030504040204" pitchFamily="34" charset="-120"/>
+                <a:ea typeface="微軟正黑體" panose="020B0604030504040204" pitchFamily="34" charset="-120"/>
+              </a:rPr>
+              <a:t>：</a:t>
+            </a:r>
+            <a:r>
+              <a:rPr lang="en-US" altLang="zh-TW" sz="1600" dirty="0">
+                <a:solidFill>
+                  <a:schemeClr val="bg1">
+                    <a:lumMod val="95000"/>
+                  </a:schemeClr>
+                </a:solidFill>
+                <a:latin typeface="微軟正黑體" panose="020B0604030504040204" pitchFamily="34" charset="-120"/>
+                <a:ea typeface="微軟正黑體" panose="020B0604030504040204" pitchFamily="34" charset="-120"/>
+              </a:rPr>
+              <a:t>package-</a:t>
+            </a:r>
+            <a:r>
+              <a:rPr lang="en-US" altLang="zh-TW" sz="1600" dirty="0" err="1">
+                <a:solidFill>
+                  <a:schemeClr val="bg1">
+                    <a:lumMod val="95000"/>
+                  </a:schemeClr>
+                </a:solidFill>
+                <a:latin typeface="微軟正黑體" panose="020B0604030504040204" pitchFamily="34" charset="-120"/>
+                <a:ea typeface="微軟正黑體" panose="020B0604030504040204" pitchFamily="34" charset="-120"/>
+              </a:rPr>
+              <a:t>lock.json</a:t>
+            </a:r>
+            <a:r>
+              <a:rPr lang="zh-TW" altLang="en-US" sz="1600" dirty="0">
+                <a:solidFill>
+                  <a:schemeClr val="bg1">
+                    <a:lumMod val="95000"/>
+                  </a:schemeClr>
+                </a:solidFill>
+                <a:latin typeface="微軟正黑體" panose="020B0604030504040204" pitchFamily="34" charset="-120"/>
+                <a:ea typeface="微軟正黑體" panose="020B0604030504040204" pitchFamily="34" charset="-120"/>
+              </a:rPr>
+              <a:t>是</a:t>
+            </a:r>
+            <a:r>
+              <a:rPr lang="en-US" altLang="zh-TW" sz="1600" dirty="0">
+                <a:solidFill>
+                  <a:schemeClr val="bg1">
+                    <a:lumMod val="95000"/>
+                  </a:schemeClr>
+                </a:solidFill>
+                <a:latin typeface="微軟正黑體" panose="020B0604030504040204" pitchFamily="34" charset="-120"/>
+                <a:ea typeface="微軟正黑體" panose="020B0604030504040204" pitchFamily="34" charset="-120"/>
+              </a:rPr>
+              <a:t>npm5</a:t>
+            </a:r>
+            <a:r>
+              <a:rPr lang="zh-TW" altLang="en-US" sz="1600" dirty="0">
+                <a:solidFill>
+                  <a:schemeClr val="bg1">
+                    <a:lumMod val="95000"/>
+                  </a:schemeClr>
+                </a:solidFill>
+                <a:latin typeface="微軟正黑體" panose="020B0604030504040204" pitchFamily="34" charset="-120"/>
+                <a:ea typeface="微軟正黑體" panose="020B0604030504040204" pitchFamily="34" charset="-120"/>
+              </a:rPr>
+              <a:t>版本新增的，是專門紀錄</a:t>
+            </a:r>
+            <a:r>
+              <a:rPr lang="en-US" altLang="zh-TW" sz="1600" dirty="0" err="1">
+                <a:solidFill>
+                  <a:schemeClr val="bg1">
+                    <a:lumMod val="95000"/>
+                  </a:schemeClr>
+                </a:solidFill>
+                <a:latin typeface="微軟正黑體" panose="020B0604030504040204" pitchFamily="34" charset="-120"/>
+                <a:ea typeface="微軟正黑體" panose="020B0604030504040204" pitchFamily="34" charset="-120"/>
+              </a:rPr>
+              <a:t>package.json</a:t>
+            </a:r>
+            <a:r>
+              <a:rPr lang="zh-TW" altLang="en-US" sz="1600" dirty="0">
+                <a:solidFill>
+                  <a:schemeClr val="bg1">
+                    <a:lumMod val="95000"/>
+                  </a:schemeClr>
+                </a:solidFill>
+                <a:latin typeface="微軟正黑體" panose="020B0604030504040204" pitchFamily="34" charset="-120"/>
+                <a:ea typeface="微軟正黑體" panose="020B0604030504040204" pitchFamily="34" charset="-120"/>
+              </a:rPr>
+              <a:t>裡面更細節的內容，例如安裝的套件的詳細版本，或是確認你的</a:t>
+            </a:r>
+            <a:r>
+              <a:rPr lang="en-US" altLang="zh-TW" sz="1600" dirty="0">
+                <a:solidFill>
+                  <a:schemeClr val="bg1">
+                    <a:lumMod val="95000"/>
+                  </a:schemeClr>
+                </a:solidFill>
+                <a:latin typeface="微軟正黑體" panose="020B0604030504040204" pitchFamily="34" charset="-120"/>
+                <a:ea typeface="微軟正黑體" panose="020B0604030504040204" pitchFamily="34" charset="-120"/>
+              </a:rPr>
+              <a:t>dependency (</a:t>
+            </a:r>
+            <a:r>
+              <a:rPr lang="zh-TW" altLang="en-US" sz="1600" dirty="0">
+                <a:solidFill>
+                  <a:schemeClr val="bg1">
+                    <a:lumMod val="95000"/>
+                  </a:schemeClr>
+                </a:solidFill>
+                <a:latin typeface="微軟正黑體" panose="020B0604030504040204" pitchFamily="34" charset="-120"/>
+                <a:ea typeface="微軟正黑體" panose="020B0604030504040204" pitchFamily="34" charset="-120"/>
+              </a:rPr>
+              <a:t>依賴</a:t>
+            </a:r>
+            <a:r>
+              <a:rPr lang="en-US" altLang="zh-TW" sz="1600" dirty="0">
+                <a:solidFill>
+                  <a:schemeClr val="bg1">
+                    <a:lumMod val="95000"/>
+                  </a:schemeClr>
+                </a:solidFill>
+                <a:latin typeface="微軟正黑體" panose="020B0604030504040204" pitchFamily="34" charset="-120"/>
+                <a:ea typeface="微軟正黑體" panose="020B0604030504040204" pitchFamily="34" charset="-120"/>
+              </a:rPr>
+              <a:t>)</a:t>
+            </a:r>
+            <a:r>
+              <a:rPr lang="zh-TW" altLang="en-US" sz="1600" dirty="0">
+                <a:solidFill>
+                  <a:schemeClr val="bg1">
+                    <a:lumMod val="95000"/>
+                  </a:schemeClr>
+                </a:solidFill>
+                <a:latin typeface="微軟正黑體" panose="020B0604030504040204" pitchFamily="34" charset="-120"/>
+                <a:ea typeface="微軟正黑體" panose="020B0604030504040204" pitchFamily="34" charset="-120"/>
+              </a:rPr>
+              <a:t>是被哪個函式庫所要求的等等，不過這個我們通常就放著不太會管它。</a:t>
+            </a:r>
+          </a:p>
+          <a:p>
+            <a:pPr marL="285750" indent="-285750">
+              <a:lnSpc>
+                <a:spcPct val="150000"/>
+              </a:lnSpc>
+              <a:buFont typeface="Arial" panose="020B0604020202020204" pitchFamily="34" charset="0"/>
+              <a:buChar char="•"/>
+            </a:pPr>
+            <a:endParaRPr lang="zh-TW" altLang="en-US" sz="1600" dirty="0">
+              <a:solidFill>
+                <a:schemeClr val="bg1">
+                  <a:lumMod val="95000"/>
+                </a:schemeClr>
+              </a:solidFill>
+              <a:latin typeface="微軟正黑體" panose="020B0604030504040204" pitchFamily="34" charset="-120"/>
+              <a:ea typeface="微軟正黑體" panose="020B0604030504040204" pitchFamily="34" charset="-120"/>
+            </a:endParaRPr>
+          </a:p>
+          <a:p>
+            <a:pPr marL="285750" indent="-285750">
+              <a:lnSpc>
+                <a:spcPct val="150000"/>
+              </a:lnSpc>
+              <a:buFont typeface="Arial" panose="020B0604020202020204" pitchFamily="34" charset="0"/>
+              <a:buChar char="•"/>
+            </a:pPr>
+            <a:endParaRPr lang="zh-TW" altLang="en-US" sz="1600" dirty="0">
+              <a:solidFill>
+                <a:schemeClr val="bg1">
+                  <a:lumMod val="95000"/>
+                </a:schemeClr>
+              </a:solidFill>
+              <a:latin typeface="微軟正黑體" panose="020B0604030504040204" pitchFamily="34" charset="-120"/>
+              <a:ea typeface="微軟正黑體" panose="020B0604030504040204" pitchFamily="34" charset="-120"/>
+            </a:endParaRPr>
+          </a:p>
+        </p:txBody>
+      </p:sp>
+    </p:spTree>
+    <p:extLst>
+      <p:ext uri="{BB962C8B-B14F-4D97-AF65-F5344CB8AC3E}">
+        <p14:creationId xmlns:p14="http://schemas.microsoft.com/office/powerpoint/2010/main" val="1537472175"/>
+      </p:ext>
+    </p:extLst>
+  </p:cSld>
+  <p:clrMapOvr>
+    <a:masterClrMapping/>
+  </p:clrMapOvr>
+</p:sld>
+</file>
+
+<file path=ppt/slides/slide5.xml><?xml version="1.0" encoding="utf-8"?>
+<p:sld xmlns:a="http://schemas.openxmlformats.org/drawingml/2006/main" xmlns:r="http://schemas.openxmlformats.org/officeDocument/2006/relationships" xmlns:p="http://schemas.openxmlformats.org/presentationml/2006/main">
+  <p:cSld>
+    <p:spTree>
+      <p:nvGrpSpPr>
+        <p:cNvPr id="1" name=""/>
+        <p:cNvGrpSpPr/>
+        <p:nvPr/>
+      </p:nvGrpSpPr>
+      <p:grpSpPr>
+        <a:xfrm>
+          <a:off x="0" y="0"/>
+          <a:ext cx="0" cy="0"/>
+          <a:chOff x="0" y="0"/>
+          <a:chExt cx="0" cy="0"/>
+        </a:xfrm>
+      </p:grpSpPr>
       <p:sp>
         <p:nvSpPr>
           <p:cNvPr id="5" name="標題 1">
@@ -5362,7 +5839,7 @@
 </p:sld>
 </file>
 
-<file path=ppt/slides/slide5.xml><?xml version="1.0" encoding="utf-8"?>
+<file path=ppt/slides/slide6.xml><?xml version="1.0" encoding="utf-8"?>
 <p:sld xmlns:a="http://schemas.openxmlformats.org/drawingml/2006/main" xmlns:r="http://schemas.openxmlformats.org/officeDocument/2006/relationships" xmlns:p="http://schemas.openxmlformats.org/presentationml/2006/main">
   <p:cSld>
     <p:spTree>
@@ -5428,7 +5905,7 @@
 </p:sld>
 </file>
 
-<file path=ppt/slides/slide6.xml><?xml version="1.0" encoding="utf-8"?>
+<file path=ppt/slides/slide7.xml><?xml version="1.0" encoding="utf-8"?>
 <p:sld xmlns:a="http://schemas.openxmlformats.org/drawingml/2006/main" xmlns:r="http://schemas.openxmlformats.org/officeDocument/2006/relationships" xmlns:p="http://schemas.openxmlformats.org/presentationml/2006/main">
   <p:cSld>
     <p:spTree>

--- a/04-VUE-CLI-Router-Components/vue-cli.pptx
+++ b/04-VUE-CLI-Router-Components/vue-cli.pptx
@@ -11,7 +11,9 @@
     <p:sldId id="273" r:id="rId5"/>
     <p:sldId id="270" r:id="rId6"/>
     <p:sldId id="272" r:id="rId7"/>
-    <p:sldId id="271" r:id="rId8"/>
+    <p:sldId id="274" r:id="rId8"/>
+    <p:sldId id="275" r:id="rId9"/>
+    <p:sldId id="271" r:id="rId10"/>
   </p:sldIdLst>
   <p:sldSz cx="12192000" cy="6858000"/>
   <p:notesSz cx="6858000" cy="9144000"/>
@@ -277,7 +279,7 @@
           <a:p>
             <a:fld id="{55B5673A-2C76-400E-AECF-A7C5CD58B306}" type="datetimeFigureOut">
               <a:rPr lang="zh-TW" altLang="en-US" smtClean="0"/>
-              <a:t>2020/10/27</a:t>
+              <a:t>2020/11/9</a:t>
             </a:fld>
             <a:endParaRPr lang="zh-TW" altLang="en-US"/>
           </a:p>
@@ -475,7 +477,7 @@
           <a:p>
             <a:fld id="{55B5673A-2C76-400E-AECF-A7C5CD58B306}" type="datetimeFigureOut">
               <a:rPr lang="zh-TW" altLang="en-US" smtClean="0"/>
-              <a:t>2020/10/27</a:t>
+              <a:t>2020/11/9</a:t>
             </a:fld>
             <a:endParaRPr lang="zh-TW" altLang="en-US"/>
           </a:p>
@@ -683,7 +685,7 @@
           <a:p>
             <a:fld id="{55B5673A-2C76-400E-AECF-A7C5CD58B306}" type="datetimeFigureOut">
               <a:rPr lang="zh-TW" altLang="en-US" smtClean="0"/>
-              <a:t>2020/10/27</a:t>
+              <a:t>2020/11/9</a:t>
             </a:fld>
             <a:endParaRPr lang="zh-TW" altLang="en-US"/>
           </a:p>
@@ -881,7 +883,7 @@
           <a:p>
             <a:fld id="{55B5673A-2C76-400E-AECF-A7C5CD58B306}" type="datetimeFigureOut">
               <a:rPr lang="zh-TW" altLang="en-US" smtClean="0"/>
-              <a:t>2020/10/27</a:t>
+              <a:t>2020/11/9</a:t>
             </a:fld>
             <a:endParaRPr lang="zh-TW" altLang="en-US"/>
           </a:p>
@@ -1156,7 +1158,7 @@
           <a:p>
             <a:fld id="{55B5673A-2C76-400E-AECF-A7C5CD58B306}" type="datetimeFigureOut">
               <a:rPr lang="zh-TW" altLang="en-US" smtClean="0"/>
-              <a:t>2020/10/27</a:t>
+              <a:t>2020/11/9</a:t>
             </a:fld>
             <a:endParaRPr lang="zh-TW" altLang="en-US"/>
           </a:p>
@@ -1421,7 +1423,7 @@
           <a:p>
             <a:fld id="{55B5673A-2C76-400E-AECF-A7C5CD58B306}" type="datetimeFigureOut">
               <a:rPr lang="zh-TW" altLang="en-US" smtClean="0"/>
-              <a:t>2020/10/27</a:t>
+              <a:t>2020/11/9</a:t>
             </a:fld>
             <a:endParaRPr lang="zh-TW" altLang="en-US"/>
           </a:p>
@@ -1833,7 +1835,7 @@
           <a:p>
             <a:fld id="{55B5673A-2C76-400E-AECF-A7C5CD58B306}" type="datetimeFigureOut">
               <a:rPr lang="zh-TW" altLang="en-US" smtClean="0"/>
-              <a:t>2020/10/27</a:t>
+              <a:t>2020/11/9</a:t>
             </a:fld>
             <a:endParaRPr lang="zh-TW" altLang="en-US"/>
           </a:p>
@@ -1974,7 +1976,7 @@
           <a:p>
             <a:fld id="{55B5673A-2C76-400E-AECF-A7C5CD58B306}" type="datetimeFigureOut">
               <a:rPr lang="zh-TW" altLang="en-US" smtClean="0"/>
-              <a:t>2020/10/27</a:t>
+              <a:t>2020/11/9</a:t>
             </a:fld>
             <a:endParaRPr lang="zh-TW" altLang="en-US"/>
           </a:p>
@@ -2087,7 +2089,7 @@
           <a:p>
             <a:fld id="{55B5673A-2C76-400E-AECF-A7C5CD58B306}" type="datetimeFigureOut">
               <a:rPr lang="zh-TW" altLang="en-US" smtClean="0"/>
-              <a:t>2020/10/27</a:t>
+              <a:t>2020/11/9</a:t>
             </a:fld>
             <a:endParaRPr lang="zh-TW" altLang="en-US"/>
           </a:p>
@@ -2398,7 +2400,7 @@
           <a:p>
             <a:fld id="{55B5673A-2C76-400E-AECF-A7C5CD58B306}" type="datetimeFigureOut">
               <a:rPr lang="zh-TW" altLang="en-US" smtClean="0"/>
-              <a:t>2020/10/27</a:t>
+              <a:t>2020/11/9</a:t>
             </a:fld>
             <a:endParaRPr lang="zh-TW" altLang="en-US"/>
           </a:p>
@@ -2686,7 +2688,7 @@
           <a:p>
             <a:fld id="{55B5673A-2C76-400E-AECF-A7C5CD58B306}" type="datetimeFigureOut">
               <a:rPr lang="zh-TW" altLang="en-US" smtClean="0"/>
-              <a:t>2020/10/27</a:t>
+              <a:t>2020/11/9</a:t>
             </a:fld>
             <a:endParaRPr lang="zh-TW" altLang="en-US"/>
           </a:p>
@@ -2930,7 +2932,7 @@
           <a:p>
             <a:fld id="{55B5673A-2C76-400E-AECF-A7C5CD58B306}" type="datetimeFigureOut">
               <a:rPr lang="zh-TW" altLang="en-US" smtClean="0"/>
-              <a:t>2020/10/27</a:t>
+              <a:t>2020/11/9</a:t>
             </a:fld>
             <a:endParaRPr lang="zh-TW" altLang="en-US"/>
           </a:p>
@@ -5924,6 +5926,596 @@
       </p:grpSpPr>
       <p:sp>
         <p:nvSpPr>
+          <p:cNvPr id="5" name="文字方塊 4">
+            <a:extLst>
+              <a:ext uri="{FF2B5EF4-FFF2-40B4-BE49-F238E27FC236}">
+                <a16:creationId xmlns:a16="http://schemas.microsoft.com/office/drawing/2014/main" id="{C8AE4B2B-23E3-45F3-A80A-F7D40D5DC387}"/>
+              </a:ext>
+            </a:extLst>
+          </p:cNvPr>
+          <p:cNvSpPr txBox="1"/>
+          <p:nvPr/>
+        </p:nvSpPr>
+        <p:spPr>
+          <a:xfrm>
+            <a:off x="462865" y="5908122"/>
+            <a:ext cx="10786797" cy="369332"/>
+          </a:xfrm>
+          <a:prstGeom prst="rect">
+            <a:avLst/>
+          </a:prstGeom>
+          <a:noFill/>
+        </p:spPr>
+        <p:txBody>
+          <a:bodyPr wrap="square">
+            <a:spAutoFit/>
+          </a:bodyPr>
+          <a:lstStyle/>
+          <a:p>
+            <a:pPr algn="ctr"/>
+            <a:r>
+              <a:rPr lang="zh-TW" altLang="en-US" dirty="0">
+                <a:solidFill>
+                  <a:schemeClr val="bg1"/>
+                </a:solidFill>
+              </a:rPr>
+              <a:t>https://v3.vuejs.org/guide/transitions-enterleave.html#transitioning-single-elements-components</a:t>
+            </a:r>
+          </a:p>
+        </p:txBody>
+      </p:sp>
+      <p:grpSp>
+        <p:nvGrpSpPr>
+          <p:cNvPr id="9" name="群組 8">
+            <a:extLst>
+              <a:ext uri="{FF2B5EF4-FFF2-40B4-BE49-F238E27FC236}">
+                <a16:creationId xmlns:a16="http://schemas.microsoft.com/office/drawing/2014/main" id="{D38392DE-C539-4510-987C-3580D4191C58}"/>
+              </a:ext>
+            </a:extLst>
+          </p:cNvPr>
+          <p:cNvGrpSpPr/>
+          <p:nvPr/>
+        </p:nvGrpSpPr>
+        <p:grpSpPr>
+          <a:xfrm>
+            <a:off x="1929959" y="1413546"/>
+            <a:ext cx="7852611" cy="4265956"/>
+            <a:chOff x="1929959" y="1413546"/>
+            <a:chExt cx="7852611" cy="4265956"/>
+          </a:xfrm>
+        </p:grpSpPr>
+        <p:sp>
+          <p:nvSpPr>
+            <p:cNvPr id="8" name="矩形 7">
+              <a:extLst>
+                <a:ext uri="{FF2B5EF4-FFF2-40B4-BE49-F238E27FC236}">
+                  <a16:creationId xmlns:a16="http://schemas.microsoft.com/office/drawing/2014/main" id="{7A0E656B-EC5C-4464-828F-A54141C69DEF}"/>
+                </a:ext>
+              </a:extLst>
+            </p:cNvPr>
+            <p:cNvSpPr/>
+            <p:nvPr/>
+          </p:nvSpPr>
+          <p:spPr>
+            <a:xfrm>
+              <a:off x="1929959" y="1413546"/>
+              <a:ext cx="7852611" cy="4265956"/>
+            </a:xfrm>
+            <a:prstGeom prst="rect">
+              <a:avLst/>
+            </a:prstGeom>
+          </p:spPr>
+          <p:style>
+            <a:lnRef idx="2">
+              <a:schemeClr val="accent6"/>
+            </a:lnRef>
+            <a:fillRef idx="1">
+              <a:schemeClr val="lt1"/>
+            </a:fillRef>
+            <a:effectRef idx="0">
+              <a:schemeClr val="accent6"/>
+            </a:effectRef>
+            <a:fontRef idx="minor">
+              <a:schemeClr val="dk1"/>
+            </a:fontRef>
+          </p:style>
+          <p:txBody>
+            <a:bodyPr rtlCol="0" anchor="ctr"/>
+            <a:lstStyle/>
+            <a:p>
+              <a:pPr algn="ctr"/>
+              <a:endParaRPr lang="zh-TW" altLang="en-US"/>
+            </a:p>
+          </p:txBody>
+        </p:sp>
+        <p:pic>
+          <p:nvPicPr>
+            <p:cNvPr id="7" name="圖形 6">
+              <a:extLst>
+                <a:ext uri="{FF2B5EF4-FFF2-40B4-BE49-F238E27FC236}">
+                  <a16:creationId xmlns:a16="http://schemas.microsoft.com/office/drawing/2014/main" id="{50051692-A183-48E1-84D1-BB4E188F159A}"/>
+                </a:ext>
+              </a:extLst>
+            </p:cNvPr>
+            <p:cNvPicPr>
+              <a:picLocks noChangeAspect="1"/>
+            </p:cNvPicPr>
+            <p:nvPr/>
+          </p:nvPicPr>
+          <p:blipFill>
+            <a:blip r:embed="rId2">
+              <a:extLst>
+                <a:ext uri="{28A0092B-C50C-407E-A947-70E740481C1C}">
+                  <a14:useLocalDpi xmlns:a14="http://schemas.microsoft.com/office/drawing/2010/main" val="0"/>
+                </a:ext>
+                <a:ext uri="{96DAC541-7B7A-43D3-8B79-37D633B846F1}">
+                  <asvg:svgBlip xmlns:asvg="http://schemas.microsoft.com/office/drawing/2016/SVG/main" r:embed="rId3"/>
+                </a:ext>
+              </a:extLst>
+            </a:blip>
+            <a:stretch>
+              <a:fillRect/>
+            </a:stretch>
+          </p:blipFill>
+          <p:spPr>
+            <a:xfrm>
+              <a:off x="2447403" y="1826832"/>
+              <a:ext cx="6939851" cy="3522387"/>
+            </a:xfrm>
+            <a:prstGeom prst="rect">
+              <a:avLst/>
+            </a:prstGeom>
+          </p:spPr>
+        </p:pic>
+      </p:grpSp>
+      <p:sp>
+        <p:nvSpPr>
+          <p:cNvPr id="11" name="文字方塊 10">
+            <a:extLst>
+              <a:ext uri="{FF2B5EF4-FFF2-40B4-BE49-F238E27FC236}">
+                <a16:creationId xmlns:a16="http://schemas.microsoft.com/office/drawing/2014/main" id="{3C35C7A7-78DE-497E-B7A7-5E4A3C0179FF}"/>
+              </a:ext>
+            </a:extLst>
+          </p:cNvPr>
+          <p:cNvSpPr txBox="1"/>
+          <p:nvPr/>
+        </p:nvSpPr>
+        <p:spPr>
+          <a:xfrm>
+            <a:off x="1793303" y="580546"/>
+            <a:ext cx="6096946" cy="523220"/>
+          </a:xfrm>
+          <a:prstGeom prst="rect">
+            <a:avLst/>
+          </a:prstGeom>
+          <a:noFill/>
+        </p:spPr>
+        <p:txBody>
+          <a:bodyPr wrap="square">
+            <a:spAutoFit/>
+          </a:bodyPr>
+          <a:lstStyle/>
+          <a:p>
+            <a:pPr algn="l"/>
+            <a:r>
+              <a:rPr lang="en-US" altLang="zh-TW" sz="2800" b="1" i="0" dirty="0">
+                <a:solidFill>
+                  <a:schemeClr val="bg1"/>
+                </a:solidFill>
+                <a:effectLst/>
+                <a:latin typeface="Inter"/>
+              </a:rPr>
+              <a:t>Enter &amp; Leave Transitions</a:t>
+            </a:r>
+          </a:p>
+        </p:txBody>
+      </p:sp>
+    </p:spTree>
+    <p:extLst>
+      <p:ext uri="{BB962C8B-B14F-4D97-AF65-F5344CB8AC3E}">
+        <p14:creationId xmlns:p14="http://schemas.microsoft.com/office/powerpoint/2010/main" val="2879531789"/>
+      </p:ext>
+    </p:extLst>
+  </p:cSld>
+  <p:clrMapOvr>
+    <a:masterClrMapping/>
+  </p:clrMapOvr>
+</p:sld>
+</file>
+
+<file path=ppt/slides/slide8.xml><?xml version="1.0" encoding="utf-8"?>
+<p:sld xmlns:a="http://schemas.openxmlformats.org/drawingml/2006/main" xmlns:r="http://schemas.openxmlformats.org/officeDocument/2006/relationships" xmlns:p="http://schemas.openxmlformats.org/presentationml/2006/main">
+  <p:cSld>
+    <p:spTree>
+      <p:nvGrpSpPr>
+        <p:cNvPr id="1" name=""/>
+        <p:cNvGrpSpPr/>
+        <p:nvPr/>
+      </p:nvGrpSpPr>
+      <p:grpSpPr>
+        <a:xfrm>
+          <a:off x="0" y="0"/>
+          <a:ext cx="0" cy="0"/>
+          <a:chOff x="0" y="0"/>
+          <a:chExt cx="0" cy="0"/>
+        </a:xfrm>
+      </p:grpSpPr>
+      <p:sp>
+        <p:nvSpPr>
+          <p:cNvPr id="6" name="文字方塊 5">
+            <a:extLst>
+              <a:ext uri="{FF2B5EF4-FFF2-40B4-BE49-F238E27FC236}">
+                <a16:creationId xmlns:a16="http://schemas.microsoft.com/office/drawing/2014/main" id="{EA8F269C-657A-475B-8A5E-0FA3D4608004}"/>
+              </a:ext>
+            </a:extLst>
+          </p:cNvPr>
+          <p:cNvSpPr txBox="1"/>
+          <p:nvPr/>
+        </p:nvSpPr>
+        <p:spPr>
+          <a:xfrm>
+            <a:off x="527246" y="1374438"/>
+            <a:ext cx="8940485" cy="4750403"/>
+          </a:xfrm>
+          <a:prstGeom prst="rect">
+            <a:avLst/>
+          </a:prstGeom>
+          <a:noFill/>
+        </p:spPr>
+        <p:txBody>
+          <a:bodyPr wrap="square">
+            <a:spAutoFit/>
+          </a:bodyPr>
+          <a:lstStyle/>
+          <a:p>
+            <a:pPr marL="285750" indent="-285750">
+              <a:buFont typeface="Arial" panose="020B0604020202020204" pitchFamily="34" charset="0"/>
+              <a:buChar char="•"/>
+            </a:pPr>
+            <a:r>
+              <a:rPr lang="zh-TW" altLang="en-US" b="1" dirty="0">
+                <a:solidFill>
+                  <a:schemeClr val="bg1"/>
+                </a:solidFill>
+                <a:latin typeface="微軟正黑體" panose="020B0604030504040204" pitchFamily="34" charset="-120"/>
+                <a:ea typeface="微軟正黑體" panose="020B0604030504040204" pitchFamily="34" charset="-120"/>
+              </a:rPr>
+              <a:t>v-enter-from：</a:t>
+            </a:r>
+            <a:r>
+              <a:rPr lang="zh-TW" altLang="en-US" sz="1800" dirty="0">
+                <a:solidFill>
+                  <a:schemeClr val="bg1"/>
+                </a:solidFill>
+                <a:latin typeface="微軟正黑體" panose="020B0604030504040204" pitchFamily="34" charset="-120"/>
+                <a:ea typeface="微軟正黑體" panose="020B0604030504040204" pitchFamily="34" charset="-120"/>
+              </a:rPr>
+              <a:t>進入</a:t>
+            </a:r>
+            <a:r>
+              <a:rPr lang="zh-TW" altLang="en-US" dirty="0">
+                <a:solidFill>
+                  <a:schemeClr val="bg1"/>
+                </a:solidFill>
+                <a:latin typeface="微軟正黑體" panose="020B0604030504040204" pitchFamily="34" charset="-120"/>
+                <a:ea typeface="微軟正黑體" panose="020B0604030504040204" pitchFamily="34" charset="-120"/>
+              </a:rPr>
+              <a:t>的開始狀態。在插入元素之前添加，在插入元素之後刪除一幀。</a:t>
+            </a:r>
+          </a:p>
+          <a:p>
+            <a:pPr marL="285750" indent="-285750">
+              <a:buFont typeface="Arial" panose="020B0604020202020204" pitchFamily="34" charset="0"/>
+              <a:buChar char="•"/>
+            </a:pPr>
+            <a:endParaRPr lang="zh-TW" altLang="en-US" dirty="0">
+              <a:solidFill>
+                <a:schemeClr val="bg1"/>
+              </a:solidFill>
+              <a:latin typeface="微軟正黑體" panose="020B0604030504040204" pitchFamily="34" charset="-120"/>
+              <a:ea typeface="微軟正黑體" panose="020B0604030504040204" pitchFamily="34" charset="-120"/>
+            </a:endParaRPr>
+          </a:p>
+          <a:p>
+            <a:pPr marL="285750" indent="-285750">
+              <a:buFont typeface="Arial" panose="020B0604020202020204" pitchFamily="34" charset="0"/>
+              <a:buChar char="•"/>
+            </a:pPr>
+            <a:r>
+              <a:rPr lang="zh-TW" altLang="en-US" b="1" dirty="0">
+                <a:solidFill>
+                  <a:schemeClr val="bg1"/>
+                </a:solidFill>
+                <a:latin typeface="微軟正黑體" panose="020B0604030504040204" pitchFamily="34" charset="-120"/>
+                <a:ea typeface="微軟正黑體" panose="020B0604030504040204" pitchFamily="34" charset="-120"/>
+              </a:rPr>
+              <a:t>v-enter-active：</a:t>
+            </a:r>
+            <a:r>
+              <a:rPr lang="zh-TW" altLang="en-US" sz="1800" dirty="0">
+                <a:solidFill>
+                  <a:schemeClr val="bg1"/>
+                </a:solidFill>
+                <a:latin typeface="微軟正黑體" panose="020B0604030504040204" pitchFamily="34" charset="-120"/>
+                <a:ea typeface="微軟正黑體" panose="020B0604030504040204" pitchFamily="34" charset="-120"/>
+              </a:rPr>
+              <a:t>進入</a:t>
+            </a:r>
+            <a:r>
+              <a:rPr lang="zh-TW" altLang="en-US" dirty="0">
+                <a:solidFill>
+                  <a:schemeClr val="bg1"/>
+                </a:solidFill>
+                <a:latin typeface="微軟正黑體" panose="020B0604030504040204" pitchFamily="34" charset="-120"/>
+                <a:ea typeface="微軟正黑體" panose="020B0604030504040204" pitchFamily="34" charset="-120"/>
+              </a:rPr>
+              <a:t>的活動狀態。在整個進入階段應用。在插入元素之前添加，在過渡/動畫結束時將其刪除。此類可用於定義進入過渡的持續時間，延遲和緩和曲線。</a:t>
+            </a:r>
+          </a:p>
+          <a:p>
+            <a:pPr marL="285750" indent="-285750">
+              <a:buFont typeface="Arial" panose="020B0604020202020204" pitchFamily="34" charset="0"/>
+              <a:buChar char="•"/>
+            </a:pPr>
+            <a:endParaRPr lang="zh-TW" altLang="en-US" dirty="0">
+              <a:solidFill>
+                <a:schemeClr val="bg1"/>
+              </a:solidFill>
+              <a:latin typeface="微軟正黑體" panose="020B0604030504040204" pitchFamily="34" charset="-120"/>
+              <a:ea typeface="微軟正黑體" panose="020B0604030504040204" pitchFamily="34" charset="-120"/>
+            </a:endParaRPr>
+          </a:p>
+          <a:p>
+            <a:pPr marL="285750" indent="-285750">
+              <a:buFont typeface="Arial" panose="020B0604020202020204" pitchFamily="34" charset="0"/>
+              <a:buChar char="•"/>
+            </a:pPr>
+            <a:r>
+              <a:rPr lang="zh-TW" altLang="en-US" b="1" dirty="0">
+                <a:solidFill>
+                  <a:schemeClr val="bg1"/>
+                </a:solidFill>
+                <a:latin typeface="微軟正黑體" panose="020B0604030504040204" pitchFamily="34" charset="-120"/>
+                <a:ea typeface="微軟正黑體" panose="020B0604030504040204" pitchFamily="34" charset="-120"/>
+              </a:rPr>
+              <a:t>v-enter-to：</a:t>
+            </a:r>
+            <a:r>
+              <a:rPr lang="zh-TW" altLang="en-US" sz="1800" dirty="0">
+                <a:solidFill>
+                  <a:schemeClr val="bg1"/>
+                </a:solidFill>
+                <a:latin typeface="微軟正黑體" panose="020B0604030504040204" pitchFamily="34" charset="-120"/>
+                <a:ea typeface="微軟正黑體" panose="020B0604030504040204" pitchFamily="34" charset="-120"/>
+              </a:rPr>
+              <a:t>進入</a:t>
+            </a:r>
+            <a:r>
+              <a:rPr lang="zh-TW" altLang="en-US" dirty="0">
+                <a:solidFill>
+                  <a:schemeClr val="bg1"/>
+                </a:solidFill>
+                <a:latin typeface="微軟正黑體" panose="020B0604030504040204" pitchFamily="34" charset="-120"/>
+                <a:ea typeface="微軟正黑體" panose="020B0604030504040204" pitchFamily="34" charset="-120"/>
+              </a:rPr>
+              <a:t>的結束狀態。元素插入後添加了一幀（同時v-enter-from刪除），過渡/動畫結束後刪除。</a:t>
+            </a:r>
+          </a:p>
+          <a:p>
+            <a:pPr marL="285750" indent="-285750">
+              <a:buFont typeface="Arial" panose="020B0604020202020204" pitchFamily="34" charset="0"/>
+              <a:buChar char="•"/>
+            </a:pPr>
+            <a:endParaRPr lang="zh-TW" altLang="en-US" dirty="0">
+              <a:solidFill>
+                <a:schemeClr val="bg1"/>
+              </a:solidFill>
+              <a:latin typeface="微軟正黑體" panose="020B0604030504040204" pitchFamily="34" charset="-120"/>
+              <a:ea typeface="微軟正黑體" panose="020B0604030504040204" pitchFamily="34" charset="-120"/>
+            </a:endParaRPr>
+          </a:p>
+          <a:p>
+            <a:pPr marL="285750" indent="-285750">
+              <a:buFont typeface="Arial" panose="020B0604020202020204" pitchFamily="34" charset="0"/>
+              <a:buChar char="•"/>
+            </a:pPr>
+            <a:r>
+              <a:rPr lang="zh-TW" altLang="en-US" b="1" dirty="0">
+                <a:solidFill>
+                  <a:schemeClr val="bg1"/>
+                </a:solidFill>
+                <a:latin typeface="微軟正黑體" panose="020B0604030504040204" pitchFamily="34" charset="-120"/>
+                <a:ea typeface="微軟正黑體" panose="020B0604030504040204" pitchFamily="34" charset="-120"/>
+              </a:rPr>
+              <a:t>v-leave-from：</a:t>
+            </a:r>
+            <a:r>
+              <a:rPr lang="zh-TW" altLang="en-US" dirty="0">
+                <a:solidFill>
+                  <a:schemeClr val="bg1"/>
+                </a:solidFill>
+                <a:latin typeface="微軟正黑體" panose="020B0604030504040204" pitchFamily="34" charset="-120"/>
+                <a:ea typeface="微軟正黑體" panose="020B0604030504040204" pitchFamily="34" charset="-120"/>
+              </a:rPr>
+              <a:t>離開的開始狀態。觸發離開過渡時立即添加，在一幀後移除。</a:t>
+            </a:r>
+          </a:p>
+          <a:p>
+            <a:pPr marL="285750" indent="-285750">
+              <a:buFont typeface="Arial" panose="020B0604020202020204" pitchFamily="34" charset="0"/>
+              <a:buChar char="•"/>
+            </a:pPr>
+            <a:endParaRPr lang="zh-TW" altLang="en-US" dirty="0">
+              <a:solidFill>
+                <a:schemeClr val="bg1"/>
+              </a:solidFill>
+              <a:latin typeface="微軟正黑體" panose="020B0604030504040204" pitchFamily="34" charset="-120"/>
+              <a:ea typeface="微軟正黑體" panose="020B0604030504040204" pitchFamily="34" charset="-120"/>
+            </a:endParaRPr>
+          </a:p>
+          <a:p>
+            <a:pPr marL="285750" indent="-285750">
+              <a:buFont typeface="Arial" panose="020B0604020202020204" pitchFamily="34" charset="0"/>
+              <a:buChar char="•"/>
+            </a:pPr>
+            <a:r>
+              <a:rPr lang="zh-TW" altLang="en-US" b="1" dirty="0">
+                <a:solidFill>
+                  <a:schemeClr val="bg1"/>
+                </a:solidFill>
+                <a:latin typeface="微軟正黑體" panose="020B0604030504040204" pitchFamily="34" charset="-120"/>
+                <a:ea typeface="微軟正黑體" panose="020B0604030504040204" pitchFamily="34" charset="-120"/>
+              </a:rPr>
+              <a:t>v-leave-active：</a:t>
+            </a:r>
+            <a:r>
+              <a:rPr lang="zh-TW" altLang="en-US" dirty="0">
+                <a:solidFill>
+                  <a:schemeClr val="bg1"/>
+                </a:solidFill>
+                <a:latin typeface="微軟正黑體" panose="020B0604030504040204" pitchFamily="34" charset="-120"/>
+                <a:ea typeface="微軟正黑體" panose="020B0604030504040204" pitchFamily="34" charset="-120"/>
+              </a:rPr>
+              <a:t>離開的活動狀態。在整個離開階段應用。觸發離開過渡時立即添加，當過渡/動畫結束時將其移除。此類可用於定義離開過渡的持續時間，延遲和緩和曲線。</a:t>
+            </a:r>
+          </a:p>
+          <a:p>
+            <a:pPr marL="285750" indent="-285750">
+              <a:buFont typeface="Arial" panose="020B0604020202020204" pitchFamily="34" charset="0"/>
+              <a:buChar char="•"/>
+            </a:pPr>
+            <a:endParaRPr lang="zh-TW" altLang="en-US" dirty="0">
+              <a:solidFill>
+                <a:schemeClr val="bg1"/>
+              </a:solidFill>
+              <a:latin typeface="微軟正黑體" panose="020B0604030504040204" pitchFamily="34" charset="-120"/>
+              <a:ea typeface="微軟正黑體" panose="020B0604030504040204" pitchFamily="34" charset="-120"/>
+            </a:endParaRPr>
+          </a:p>
+          <a:p>
+            <a:pPr marL="285750" indent="-285750">
+              <a:lnSpc>
+                <a:spcPct val="150000"/>
+              </a:lnSpc>
+              <a:buFont typeface="Arial" panose="020B0604020202020204" pitchFamily="34" charset="0"/>
+              <a:buChar char="•"/>
+            </a:pPr>
+            <a:r>
+              <a:rPr lang="zh-TW" altLang="en-US" b="1" dirty="0">
+                <a:solidFill>
+                  <a:schemeClr val="bg1"/>
+                </a:solidFill>
+                <a:latin typeface="微軟正黑體" panose="020B0604030504040204" pitchFamily="34" charset="-120"/>
+                <a:ea typeface="微軟正黑體" panose="020B0604030504040204" pitchFamily="34" charset="-120"/>
+              </a:rPr>
+              <a:t>v-leave-to：</a:t>
+            </a:r>
+            <a:r>
+              <a:rPr lang="zh-TW" altLang="en-US" dirty="0">
+                <a:solidFill>
+                  <a:schemeClr val="bg1"/>
+                </a:solidFill>
+                <a:latin typeface="微軟正黑體" panose="020B0604030504040204" pitchFamily="34" charset="-120"/>
+                <a:ea typeface="微軟正黑體" panose="020B0604030504040204" pitchFamily="34" charset="-120"/>
+              </a:rPr>
+              <a:t>離開的結束狀態。觸發離開過渡（同時v-leave-from刪除）後添加一幀，在過渡/動畫結束時刪除。</a:t>
+            </a:r>
+          </a:p>
+        </p:txBody>
+      </p:sp>
+      <p:sp>
+        <p:nvSpPr>
+          <p:cNvPr id="8" name="文字方塊 7">
+            <a:extLst>
+              <a:ext uri="{FF2B5EF4-FFF2-40B4-BE49-F238E27FC236}">
+                <a16:creationId xmlns:a16="http://schemas.microsoft.com/office/drawing/2014/main" id="{285254ED-C4F2-401E-B740-12D4CB95636A}"/>
+              </a:ext>
+            </a:extLst>
+          </p:cNvPr>
+          <p:cNvSpPr txBox="1"/>
+          <p:nvPr/>
+        </p:nvSpPr>
+        <p:spPr>
+          <a:xfrm>
+            <a:off x="527246" y="544995"/>
+            <a:ext cx="9025677" cy="584775"/>
+          </a:xfrm>
+          <a:prstGeom prst="rect">
+            <a:avLst/>
+          </a:prstGeom>
+          <a:noFill/>
+        </p:spPr>
+        <p:txBody>
+          <a:bodyPr wrap="square">
+            <a:spAutoFit/>
+          </a:bodyPr>
+          <a:lstStyle/>
+          <a:p>
+            <a:r>
+              <a:rPr lang="zh-TW" altLang="en-US" sz="3200" b="1" dirty="0">
+                <a:solidFill>
+                  <a:schemeClr val="bg1"/>
+                </a:solidFill>
+                <a:latin typeface="微軟正黑體" panose="020B0604030504040204" pitchFamily="34" charset="-120"/>
+                <a:ea typeface="微軟正黑體" panose="020B0604030504040204" pitchFamily="34" charset="-120"/>
+              </a:rPr>
+              <a:t>進入/離開 </a:t>
+            </a:r>
+            <a:r>
+              <a:rPr lang="en-US" altLang="zh-TW" sz="3200" b="1" i="0" dirty="0">
+                <a:solidFill>
+                  <a:schemeClr val="bg1"/>
+                </a:solidFill>
+                <a:effectLst/>
+                <a:latin typeface="Inter"/>
+              </a:rPr>
+              <a:t>Transition </a:t>
+            </a:r>
+            <a:r>
+              <a:rPr lang="zh-TW" altLang="en-US" sz="3200" b="1" dirty="0">
+                <a:solidFill>
+                  <a:schemeClr val="bg1"/>
+                </a:solidFill>
+                <a:latin typeface="微軟正黑體" panose="020B0604030504040204" pitchFamily="34" charset="-120"/>
+                <a:ea typeface="微軟正黑體" panose="020B0604030504040204" pitchFamily="34" charset="-120"/>
+              </a:rPr>
+              <a:t>轉換的六個類別</a:t>
+            </a:r>
+          </a:p>
+        </p:txBody>
+      </p:sp>
+    </p:spTree>
+    <p:extLst>
+      <p:ext uri="{BB962C8B-B14F-4D97-AF65-F5344CB8AC3E}">
+        <p14:creationId xmlns:p14="http://schemas.microsoft.com/office/powerpoint/2010/main" val="181084404"/>
+      </p:ext>
+    </p:extLst>
+  </p:cSld>
+  <p:clrMapOvr>
+    <a:masterClrMapping/>
+  </p:clrMapOvr>
+</p:sld>
+</file>
+
+<file path=ppt/slides/slide9.xml><?xml version="1.0" encoding="utf-8"?>
+<p:sld xmlns:a="http://schemas.openxmlformats.org/drawingml/2006/main" xmlns:r="http://schemas.openxmlformats.org/officeDocument/2006/relationships" xmlns:p="http://schemas.openxmlformats.org/presentationml/2006/main">
+  <p:cSld>
+    <p:spTree>
+      <p:nvGrpSpPr>
+        <p:cNvPr id="1" name=""/>
+        <p:cNvGrpSpPr/>
+        <p:nvPr/>
+      </p:nvGrpSpPr>
+      <p:grpSpPr>
+        <a:xfrm>
+          <a:off x="0" y="0"/>
+          <a:ext cx="0" cy="0"/>
+          <a:chOff x="0" y="0"/>
+          <a:chExt cx="0" cy="0"/>
+        </a:xfrm>
+      </p:grpSpPr>
+      <p:sp>
+        <p:nvSpPr>
           <p:cNvPr id="2" name="標題 1">
             <a:extLst>
               <a:ext uri="{FF2B5EF4-FFF2-40B4-BE49-F238E27FC236}">

--- a/04-VUE-CLI-Router-Components/vue-cli.pptx
+++ b/04-VUE-CLI-Router-Components/vue-cli.pptx
@@ -5954,13 +5954,18 @@
           <a:p>
             <a:pPr algn="ctr"/>
             <a:r>
-              <a:rPr lang="zh-TW" altLang="en-US" dirty="0">
-                <a:solidFill>
-                  <a:schemeClr val="bg1"/>
-                </a:solidFill>
-              </a:rPr>
-              <a:t>https://v3.vuejs.org/guide/transitions-enterleave.html#transitioning-single-elements-components</a:t>
-            </a:r>
+              <a:rPr lang="en-US" altLang="zh-TW" dirty="0">
+                <a:solidFill>
+                  <a:schemeClr val="bg1"/>
+                </a:solidFill>
+              </a:rPr>
+              <a:t>https://v3.vuejs.org/guide/transitions-enterleave.html#enter-leave-transitions</a:t>
+            </a:r>
+            <a:endParaRPr lang="zh-TW" altLang="en-US" dirty="0">
+              <a:solidFill>
+                <a:schemeClr val="bg1"/>
+              </a:solidFill>
+            </a:endParaRPr>
           </a:p>
         </p:txBody>
       </p:sp>

--- a/04-VUE-CLI-Router-Components/vue-cli.pptx
+++ b/04-VUE-CLI-Router-Components/vue-cli.pptx
@@ -14,6 +14,7 @@
     <p:sldId id="274" r:id="rId8"/>
     <p:sldId id="275" r:id="rId9"/>
     <p:sldId id="271" r:id="rId10"/>
+    <p:sldId id="276" r:id="rId11"/>
   </p:sldIdLst>
   <p:sldSz cx="12192000" cy="6858000"/>
   <p:notesSz cx="6858000" cy="9144000"/>
@@ -279,7 +280,7 @@
           <a:p>
             <a:fld id="{55B5673A-2C76-400E-AECF-A7C5CD58B306}" type="datetimeFigureOut">
               <a:rPr lang="zh-TW" altLang="en-US" smtClean="0"/>
-              <a:t>2020/11/9</a:t>
+              <a:t>2020/11/11</a:t>
             </a:fld>
             <a:endParaRPr lang="zh-TW" altLang="en-US"/>
           </a:p>
@@ -477,7 +478,7 @@
           <a:p>
             <a:fld id="{55B5673A-2C76-400E-AECF-A7C5CD58B306}" type="datetimeFigureOut">
               <a:rPr lang="zh-TW" altLang="en-US" smtClean="0"/>
-              <a:t>2020/11/9</a:t>
+              <a:t>2020/11/11</a:t>
             </a:fld>
             <a:endParaRPr lang="zh-TW" altLang="en-US"/>
           </a:p>
@@ -685,7 +686,7 @@
           <a:p>
             <a:fld id="{55B5673A-2C76-400E-AECF-A7C5CD58B306}" type="datetimeFigureOut">
               <a:rPr lang="zh-TW" altLang="en-US" smtClean="0"/>
-              <a:t>2020/11/9</a:t>
+              <a:t>2020/11/11</a:t>
             </a:fld>
             <a:endParaRPr lang="zh-TW" altLang="en-US"/>
           </a:p>
@@ -883,7 +884,7 @@
           <a:p>
             <a:fld id="{55B5673A-2C76-400E-AECF-A7C5CD58B306}" type="datetimeFigureOut">
               <a:rPr lang="zh-TW" altLang="en-US" smtClean="0"/>
-              <a:t>2020/11/9</a:t>
+              <a:t>2020/11/11</a:t>
             </a:fld>
             <a:endParaRPr lang="zh-TW" altLang="en-US"/>
           </a:p>
@@ -1158,7 +1159,7 @@
           <a:p>
             <a:fld id="{55B5673A-2C76-400E-AECF-A7C5CD58B306}" type="datetimeFigureOut">
               <a:rPr lang="zh-TW" altLang="en-US" smtClean="0"/>
-              <a:t>2020/11/9</a:t>
+              <a:t>2020/11/11</a:t>
             </a:fld>
             <a:endParaRPr lang="zh-TW" altLang="en-US"/>
           </a:p>
@@ -1423,7 +1424,7 @@
           <a:p>
             <a:fld id="{55B5673A-2C76-400E-AECF-A7C5CD58B306}" type="datetimeFigureOut">
               <a:rPr lang="zh-TW" altLang="en-US" smtClean="0"/>
-              <a:t>2020/11/9</a:t>
+              <a:t>2020/11/11</a:t>
             </a:fld>
             <a:endParaRPr lang="zh-TW" altLang="en-US"/>
           </a:p>
@@ -1835,7 +1836,7 @@
           <a:p>
             <a:fld id="{55B5673A-2C76-400E-AECF-A7C5CD58B306}" type="datetimeFigureOut">
               <a:rPr lang="zh-TW" altLang="en-US" smtClean="0"/>
-              <a:t>2020/11/9</a:t>
+              <a:t>2020/11/11</a:t>
             </a:fld>
             <a:endParaRPr lang="zh-TW" altLang="en-US"/>
           </a:p>
@@ -1976,7 +1977,7 @@
           <a:p>
             <a:fld id="{55B5673A-2C76-400E-AECF-A7C5CD58B306}" type="datetimeFigureOut">
               <a:rPr lang="zh-TW" altLang="en-US" smtClean="0"/>
-              <a:t>2020/11/9</a:t>
+              <a:t>2020/11/11</a:t>
             </a:fld>
             <a:endParaRPr lang="zh-TW" altLang="en-US"/>
           </a:p>
@@ -2089,7 +2090,7 @@
           <a:p>
             <a:fld id="{55B5673A-2C76-400E-AECF-A7C5CD58B306}" type="datetimeFigureOut">
               <a:rPr lang="zh-TW" altLang="en-US" smtClean="0"/>
-              <a:t>2020/11/9</a:t>
+              <a:t>2020/11/11</a:t>
             </a:fld>
             <a:endParaRPr lang="zh-TW" altLang="en-US"/>
           </a:p>
@@ -2400,7 +2401,7 @@
           <a:p>
             <a:fld id="{55B5673A-2C76-400E-AECF-A7C5CD58B306}" type="datetimeFigureOut">
               <a:rPr lang="zh-TW" altLang="en-US" smtClean="0"/>
-              <a:t>2020/11/9</a:t>
+              <a:t>2020/11/11</a:t>
             </a:fld>
             <a:endParaRPr lang="zh-TW" altLang="en-US"/>
           </a:p>
@@ -2688,7 +2689,7 @@
           <a:p>
             <a:fld id="{55B5673A-2C76-400E-AECF-A7C5CD58B306}" type="datetimeFigureOut">
               <a:rPr lang="zh-TW" altLang="en-US" smtClean="0"/>
-              <a:t>2020/11/9</a:t>
+              <a:t>2020/11/11</a:t>
             </a:fld>
             <a:endParaRPr lang="zh-TW" altLang="en-US"/>
           </a:p>
@@ -2932,7 +2933,7 @@
           <a:p>
             <a:fld id="{55B5673A-2C76-400E-AECF-A7C5CD58B306}" type="datetimeFigureOut">
               <a:rPr lang="zh-TW" altLang="en-US" smtClean="0"/>
-              <a:t>2020/11/9</a:t>
+              <a:t>2020/11/11</a:t>
             </a:fld>
             <a:endParaRPr lang="zh-TW" altLang="en-US"/>
           </a:p>
@@ -3493,6 +3494,143 @@
 </p:sld>
 </file>
 
+<file path=ppt/slides/slide10.xml><?xml version="1.0" encoding="utf-8"?>
+<p:sld xmlns:a="http://schemas.openxmlformats.org/drawingml/2006/main" xmlns:r="http://schemas.openxmlformats.org/officeDocument/2006/relationships" xmlns:p="http://schemas.openxmlformats.org/presentationml/2006/main">
+  <p:cSld>
+    <p:spTree>
+      <p:nvGrpSpPr>
+        <p:cNvPr id="1" name=""/>
+        <p:cNvGrpSpPr/>
+        <p:nvPr/>
+      </p:nvGrpSpPr>
+      <p:grpSpPr>
+        <a:xfrm>
+          <a:off x="0" y="0"/>
+          <a:ext cx="0" cy="0"/>
+          <a:chOff x="0" y="0"/>
+          <a:chExt cx="0" cy="0"/>
+        </a:xfrm>
+      </p:grpSpPr>
+      <p:sp>
+        <p:nvSpPr>
+          <p:cNvPr id="2" name="標題 1">
+            <a:extLst>
+              <a:ext uri="{FF2B5EF4-FFF2-40B4-BE49-F238E27FC236}">
+                <a16:creationId xmlns:a16="http://schemas.microsoft.com/office/drawing/2014/main" id="{99A48FD6-DC2D-4A5E-B788-C802EDB01128}"/>
+              </a:ext>
+            </a:extLst>
+          </p:cNvPr>
+          <p:cNvSpPr>
+            <a:spLocks noGrp="1"/>
+          </p:cNvSpPr>
+          <p:nvPr>
+            <p:ph type="title"/>
+          </p:nvPr>
+        </p:nvSpPr>
+        <p:spPr>
+          <a:xfrm>
+            <a:off x="3241989" y="3545475"/>
+            <a:ext cx="4732033" cy="594883"/>
+          </a:xfrm>
+        </p:spPr>
+        <p:txBody>
+          <a:bodyPr>
+            <a:normAutofit/>
+          </a:bodyPr>
+          <a:lstStyle/>
+          <a:p>
+            <a:r>
+              <a:rPr lang="en-US" altLang="zh-TW" sz="2800" dirty="0">
+                <a:solidFill>
+                  <a:schemeClr val="bg1"/>
+                </a:solidFill>
+              </a:rPr>
+              <a:t>https://next.router.vuejs.org/</a:t>
+            </a:r>
+            <a:endParaRPr lang="zh-TW" altLang="en-US" sz="2800" dirty="0">
+              <a:solidFill>
+                <a:schemeClr val="bg1"/>
+              </a:solidFill>
+            </a:endParaRPr>
+          </a:p>
+        </p:txBody>
+      </p:sp>
+      <p:sp>
+        <p:nvSpPr>
+          <p:cNvPr id="4" name="標題 1">
+            <a:extLst>
+              <a:ext uri="{FF2B5EF4-FFF2-40B4-BE49-F238E27FC236}">
+                <a16:creationId xmlns:a16="http://schemas.microsoft.com/office/drawing/2014/main" id="{20399399-AF10-4E90-A1A9-1DF69541A5EB}"/>
+              </a:ext>
+            </a:extLst>
+          </p:cNvPr>
+          <p:cNvSpPr txBox="1">
+            <a:spLocks/>
+          </p:cNvSpPr>
+          <p:nvPr/>
+        </p:nvSpPr>
+        <p:spPr>
+          <a:xfrm>
+            <a:off x="3183835" y="2941506"/>
+            <a:ext cx="3892550" cy="708025"/>
+          </a:xfrm>
+          <a:prstGeom prst="rect">
+            <a:avLst/>
+          </a:prstGeom>
+        </p:spPr>
+        <p:txBody>
+          <a:bodyPr vert="horz" lIns="91440" tIns="45720" rIns="91440" bIns="45720" rtlCol="0" anchor="ctr">
+            <a:normAutofit/>
+          </a:bodyPr>
+          <a:lstStyle>
+            <a:lvl1pPr algn="l" defTabSz="914400" rtl="0" eaLnBrk="1" latinLnBrk="0" hangingPunct="1">
+              <a:lnSpc>
+                <a:spcPct val="90000"/>
+              </a:lnSpc>
+              <a:spcBef>
+                <a:spcPct val="0"/>
+              </a:spcBef>
+              <a:buNone/>
+              <a:defRPr sz="4400" kern="1200">
+                <a:solidFill>
+                  <a:schemeClr val="tx1"/>
+                </a:solidFill>
+                <a:latin typeface="+mj-lt"/>
+                <a:ea typeface="+mj-ea"/>
+                <a:cs typeface="+mj-cs"/>
+              </a:defRPr>
+            </a:lvl1pPr>
+          </a:lstStyle>
+          <a:p>
+            <a:r>
+              <a:rPr lang="en-US" altLang="zh-TW" b="1" dirty="0">
+                <a:solidFill>
+                  <a:schemeClr val="bg1"/>
+                </a:solidFill>
+              </a:rPr>
+              <a:t>Vue Router</a:t>
+            </a:r>
+            <a:endParaRPr lang="zh-TW" altLang="en-US" b="1" dirty="0">
+              <a:solidFill>
+                <a:schemeClr val="bg1"/>
+              </a:solidFill>
+            </a:endParaRPr>
+          </a:p>
+        </p:txBody>
+      </p:sp>
+    </p:spTree>
+    <p:extLst>
+      <p:ext uri="{BB962C8B-B14F-4D97-AF65-F5344CB8AC3E}">
+        <p14:creationId xmlns:p14="http://schemas.microsoft.com/office/powerpoint/2010/main" val="3369778407"/>
+      </p:ext>
+    </p:extLst>
+  </p:cSld>
+  <p:clrMapOvr>
+    <a:masterClrMapping/>
+  </p:clrMapOvr>
+</p:sld>
+</file>
+
 <file path=ppt/slides/slide2.xml><?xml version="1.0" encoding="utf-8"?>
 <p:sld xmlns:a="http://schemas.openxmlformats.org/drawingml/2006/main" xmlns:r="http://schemas.openxmlformats.org/officeDocument/2006/relationships" xmlns:p="http://schemas.openxmlformats.org/presentationml/2006/main">
   <p:cSld>
@@ -6521,50 +6659,6 @@
       </p:grpSpPr>
       <p:sp>
         <p:nvSpPr>
-          <p:cNvPr id="2" name="標題 1">
-            <a:extLst>
-              <a:ext uri="{FF2B5EF4-FFF2-40B4-BE49-F238E27FC236}">
-                <a16:creationId xmlns:a16="http://schemas.microsoft.com/office/drawing/2014/main" id="{99A48FD6-DC2D-4A5E-B788-C802EDB01128}"/>
-              </a:ext>
-            </a:extLst>
-          </p:cNvPr>
-          <p:cNvSpPr>
-            <a:spLocks noGrp="1"/>
-          </p:cNvSpPr>
-          <p:nvPr>
-            <p:ph type="title"/>
-          </p:nvPr>
-        </p:nvSpPr>
-        <p:spPr>
-          <a:xfrm>
-            <a:off x="3241989" y="3545475"/>
-            <a:ext cx="4732033" cy="594883"/>
-          </a:xfrm>
-        </p:spPr>
-        <p:txBody>
-          <a:bodyPr>
-            <a:normAutofit/>
-          </a:bodyPr>
-          <a:lstStyle/>
-          <a:p>
-            <a:r>
-              <a:rPr lang="en-US" altLang="zh-TW" sz="2800" dirty="0">
-                <a:solidFill>
-                  <a:schemeClr val="bg1"/>
-                </a:solidFill>
-              </a:rPr>
-              <a:t>https://next.router.vuejs.org/</a:t>
-            </a:r>
-            <a:endParaRPr lang="zh-TW" altLang="en-US" sz="2800" dirty="0">
-              <a:solidFill>
-                <a:schemeClr val="bg1"/>
-              </a:solidFill>
-            </a:endParaRPr>
-          </a:p>
-        </p:txBody>
-      </p:sp>
-      <p:sp>
-        <p:nvSpPr>
           <p:cNvPr id="4" name="標題 1">
             <a:extLst>
               <a:ext uri="{FF2B5EF4-FFF2-40B4-BE49-F238E27FC236}">
@@ -6579,8 +6673,8 @@
         </p:nvSpPr>
         <p:spPr>
           <a:xfrm>
-            <a:off x="3183835" y="2941506"/>
-            <a:ext cx="3892550" cy="708025"/>
+            <a:off x="2178324" y="1494847"/>
+            <a:ext cx="8584097" cy="1884459"/>
           </a:xfrm>
           <a:prstGeom prst="rect">
             <a:avLst/>
@@ -6610,19 +6704,146 @@
             </a:lvl1pPr>
           </a:lstStyle>
           <a:p>
-            <a:r>
-              <a:rPr lang="en-US" altLang="zh-TW" b="1" dirty="0">
-                <a:solidFill>
-                  <a:schemeClr val="bg1"/>
-                </a:solidFill>
-              </a:rPr>
-              <a:t>Vue Router</a:t>
-            </a:r>
-            <a:endParaRPr lang="zh-TW" altLang="en-US" b="1" dirty="0">
+            <a:pPr>
+              <a:lnSpc>
+                <a:spcPct val="100000"/>
+              </a:lnSpc>
+            </a:pPr>
+            <a:r>
+              <a:rPr lang="zh-TW" altLang="zh-TW" b="1" i="0" dirty="0">
+                <a:solidFill>
+                  <a:schemeClr val="bg1"/>
+                </a:solidFill>
+                <a:effectLst/>
+                <a:latin typeface="微軟正黑體" panose="020B0604030504040204" pitchFamily="34" charset="-120"/>
+                <a:ea typeface="微軟正黑體" panose="020B0604030504040204" pitchFamily="34" charset="-120"/>
+              </a:rPr>
+              <a:t>單頁</a:t>
+            </a:r>
+            <a:r>
+              <a:rPr lang="zh-TW" altLang="en-US" b="1" i="0" dirty="0">
+                <a:solidFill>
+                  <a:schemeClr val="bg1"/>
+                </a:solidFill>
+                <a:effectLst/>
+                <a:latin typeface="微軟正黑體" panose="020B0604030504040204" pitchFamily="34" charset="-120"/>
+                <a:ea typeface="微軟正黑體" panose="020B0604030504040204" pitchFamily="34" charset="-120"/>
+              </a:rPr>
+              <a:t>式</a:t>
+            </a:r>
+            <a:r>
+              <a:rPr lang="zh-TW" altLang="zh-TW" b="1" i="0" dirty="0">
+                <a:solidFill>
+                  <a:schemeClr val="bg1"/>
+                </a:solidFill>
+                <a:effectLst/>
+                <a:latin typeface="微軟正黑體" panose="020B0604030504040204" pitchFamily="34" charset="-120"/>
+                <a:ea typeface="微軟正黑體" panose="020B0604030504040204" pitchFamily="34" charset="-120"/>
+              </a:rPr>
+              <a:t>應用</a:t>
+            </a:r>
+            <a:endParaRPr lang="en-US" altLang="zh-TW" b="1" i="0" dirty="0">
               <a:solidFill>
                 <a:schemeClr val="bg1"/>
               </a:solidFill>
+              <a:effectLst/>
+              <a:latin typeface="微軟正黑體" panose="020B0604030504040204" pitchFamily="34" charset="-120"/>
+              <a:ea typeface="微軟正黑體" panose="020B0604030504040204" pitchFamily="34" charset="-120"/>
             </a:endParaRPr>
+          </a:p>
+          <a:p>
+            <a:pPr>
+              <a:lnSpc>
+                <a:spcPct val="100000"/>
+              </a:lnSpc>
+            </a:pPr>
+            <a:r>
+              <a:rPr lang="en-US" altLang="zh-TW" sz="2100" b="1" i="0" dirty="0">
+                <a:solidFill>
+                  <a:schemeClr val="bg1"/>
+                </a:solidFill>
+                <a:effectLst/>
+                <a:latin typeface="微軟正黑體" panose="020B0604030504040204" pitchFamily="34" charset="-120"/>
+                <a:ea typeface="微軟正黑體" panose="020B0604030504040204" pitchFamily="34" charset="-120"/>
+              </a:rPr>
+              <a:t>single-page application</a:t>
+            </a:r>
+            <a:r>
+              <a:rPr lang="zh-TW" altLang="en-US" sz="2100" b="1" i="0" dirty="0">
+                <a:solidFill>
+                  <a:schemeClr val="bg1"/>
+                </a:solidFill>
+                <a:effectLst/>
+                <a:latin typeface="微軟正黑體" panose="020B0604030504040204" pitchFamily="34" charset="-120"/>
+                <a:ea typeface="微軟正黑體" panose="020B0604030504040204" pitchFamily="34" charset="-120"/>
+              </a:rPr>
+              <a:t>，縮寫</a:t>
+            </a:r>
+            <a:r>
+              <a:rPr lang="en-US" altLang="zh-TW" sz="2100" b="1" i="0" dirty="0">
+                <a:solidFill>
+                  <a:schemeClr val="bg1"/>
+                </a:solidFill>
+                <a:effectLst/>
+                <a:latin typeface="微軟正黑體" panose="020B0604030504040204" pitchFamily="34" charset="-120"/>
+                <a:ea typeface="微軟正黑體" panose="020B0604030504040204" pitchFamily="34" charset="-120"/>
+              </a:rPr>
+              <a:t>SPA</a:t>
+            </a:r>
+            <a:endParaRPr lang="zh-TW" altLang="zh-TW" sz="2100" b="1" i="0" dirty="0">
+              <a:solidFill>
+                <a:schemeClr val="bg1"/>
+              </a:solidFill>
+              <a:effectLst/>
+              <a:latin typeface="微軟正黑體" panose="020B0604030504040204" pitchFamily="34" charset="-120"/>
+              <a:ea typeface="微軟正黑體" panose="020B0604030504040204" pitchFamily="34" charset="-120"/>
+            </a:endParaRPr>
+          </a:p>
+        </p:txBody>
+      </p:sp>
+      <p:sp>
+        <p:nvSpPr>
+          <p:cNvPr id="7" name="文字方塊 6">
+            <a:extLst>
+              <a:ext uri="{FF2B5EF4-FFF2-40B4-BE49-F238E27FC236}">
+                <a16:creationId xmlns:a16="http://schemas.microsoft.com/office/drawing/2014/main" id="{97870200-13DA-4C5A-806F-A02B140A6122}"/>
+              </a:ext>
+            </a:extLst>
+          </p:cNvPr>
+          <p:cNvSpPr txBox="1"/>
+          <p:nvPr/>
+        </p:nvSpPr>
+        <p:spPr>
+          <a:xfrm>
+            <a:off x="2178324" y="3192609"/>
+            <a:ext cx="4985801" cy="1703415"/>
+          </a:xfrm>
+          <a:prstGeom prst="rect">
+            <a:avLst/>
+          </a:prstGeom>
+          <a:noFill/>
+        </p:spPr>
+        <p:txBody>
+          <a:bodyPr wrap="square">
+            <a:spAutoFit/>
+          </a:bodyPr>
+          <a:lstStyle/>
+          <a:p>
+            <a:pPr>
+              <a:lnSpc>
+                <a:spcPct val="150000"/>
+              </a:lnSpc>
+            </a:pPr>
+            <a:r>
+              <a:rPr lang="zh-TW" altLang="en-US" dirty="0">
+                <a:solidFill>
+                  <a:schemeClr val="bg1"/>
+                </a:solidFill>
+                <a:latin typeface="微軟正黑體" panose="020B0604030504040204" pitchFamily="34" charset="-120"/>
+                <a:ea typeface="微軟正黑體" panose="020B0604030504040204" pitchFamily="34" charset="-120"/>
+              </a:rPr>
+              <a:t>透過JS動態渲染當前頁面來與使用者互動而非傳統的從伺服器重新載入整個新頁面。這種方法避免了頁面之間切換打斷用戶體驗，使應用程式更像一個桌面應用程式。</a:t>
+            </a:r>
           </a:p>
         </p:txBody>
       </p:sp>

--- a/04-VUE-CLI-Router-Components/vue-cli.pptx
+++ b/04-VUE-CLI-Router-Components/vue-cli.pptx
@@ -15,6 +15,7 @@
     <p:sldId id="275" r:id="rId9"/>
     <p:sldId id="271" r:id="rId10"/>
     <p:sldId id="276" r:id="rId11"/>
+    <p:sldId id="277" r:id="rId12"/>
   </p:sldIdLst>
   <p:sldSz cx="12192000" cy="6858000"/>
   <p:notesSz cx="6858000" cy="9144000"/>
@@ -280,7 +281,7 @@
           <a:p>
             <a:fld id="{55B5673A-2C76-400E-AECF-A7C5CD58B306}" type="datetimeFigureOut">
               <a:rPr lang="zh-TW" altLang="en-US" smtClean="0"/>
-              <a:t>2020/11/11</a:t>
+              <a:t>2020/11/13</a:t>
             </a:fld>
             <a:endParaRPr lang="zh-TW" altLang="en-US"/>
           </a:p>
@@ -478,7 +479,7 @@
           <a:p>
             <a:fld id="{55B5673A-2C76-400E-AECF-A7C5CD58B306}" type="datetimeFigureOut">
               <a:rPr lang="zh-TW" altLang="en-US" smtClean="0"/>
-              <a:t>2020/11/11</a:t>
+              <a:t>2020/11/13</a:t>
             </a:fld>
             <a:endParaRPr lang="zh-TW" altLang="en-US"/>
           </a:p>
@@ -686,7 +687,7 @@
           <a:p>
             <a:fld id="{55B5673A-2C76-400E-AECF-A7C5CD58B306}" type="datetimeFigureOut">
               <a:rPr lang="zh-TW" altLang="en-US" smtClean="0"/>
-              <a:t>2020/11/11</a:t>
+              <a:t>2020/11/13</a:t>
             </a:fld>
             <a:endParaRPr lang="zh-TW" altLang="en-US"/>
           </a:p>
@@ -884,7 +885,7 @@
           <a:p>
             <a:fld id="{55B5673A-2C76-400E-AECF-A7C5CD58B306}" type="datetimeFigureOut">
               <a:rPr lang="zh-TW" altLang="en-US" smtClean="0"/>
-              <a:t>2020/11/11</a:t>
+              <a:t>2020/11/13</a:t>
             </a:fld>
             <a:endParaRPr lang="zh-TW" altLang="en-US"/>
           </a:p>
@@ -1159,7 +1160,7 @@
           <a:p>
             <a:fld id="{55B5673A-2C76-400E-AECF-A7C5CD58B306}" type="datetimeFigureOut">
               <a:rPr lang="zh-TW" altLang="en-US" smtClean="0"/>
-              <a:t>2020/11/11</a:t>
+              <a:t>2020/11/13</a:t>
             </a:fld>
             <a:endParaRPr lang="zh-TW" altLang="en-US"/>
           </a:p>
@@ -1424,7 +1425,7 @@
           <a:p>
             <a:fld id="{55B5673A-2C76-400E-AECF-A7C5CD58B306}" type="datetimeFigureOut">
               <a:rPr lang="zh-TW" altLang="en-US" smtClean="0"/>
-              <a:t>2020/11/11</a:t>
+              <a:t>2020/11/13</a:t>
             </a:fld>
             <a:endParaRPr lang="zh-TW" altLang="en-US"/>
           </a:p>
@@ -1836,7 +1837,7 @@
           <a:p>
             <a:fld id="{55B5673A-2C76-400E-AECF-A7C5CD58B306}" type="datetimeFigureOut">
               <a:rPr lang="zh-TW" altLang="en-US" smtClean="0"/>
-              <a:t>2020/11/11</a:t>
+              <a:t>2020/11/13</a:t>
             </a:fld>
             <a:endParaRPr lang="zh-TW" altLang="en-US"/>
           </a:p>
@@ -1977,7 +1978,7 @@
           <a:p>
             <a:fld id="{55B5673A-2C76-400E-AECF-A7C5CD58B306}" type="datetimeFigureOut">
               <a:rPr lang="zh-TW" altLang="en-US" smtClean="0"/>
-              <a:t>2020/11/11</a:t>
+              <a:t>2020/11/13</a:t>
             </a:fld>
             <a:endParaRPr lang="zh-TW" altLang="en-US"/>
           </a:p>
@@ -2090,7 +2091,7 @@
           <a:p>
             <a:fld id="{55B5673A-2C76-400E-AECF-A7C5CD58B306}" type="datetimeFigureOut">
               <a:rPr lang="zh-TW" altLang="en-US" smtClean="0"/>
-              <a:t>2020/11/11</a:t>
+              <a:t>2020/11/13</a:t>
             </a:fld>
             <a:endParaRPr lang="zh-TW" altLang="en-US"/>
           </a:p>
@@ -2401,7 +2402,7 @@
           <a:p>
             <a:fld id="{55B5673A-2C76-400E-AECF-A7C5CD58B306}" type="datetimeFigureOut">
               <a:rPr lang="zh-TW" altLang="en-US" smtClean="0"/>
-              <a:t>2020/11/11</a:t>
+              <a:t>2020/11/13</a:t>
             </a:fld>
             <a:endParaRPr lang="zh-TW" altLang="en-US"/>
           </a:p>
@@ -2689,7 +2690,7 @@
           <a:p>
             <a:fld id="{55B5673A-2C76-400E-AECF-A7C5CD58B306}" type="datetimeFigureOut">
               <a:rPr lang="zh-TW" altLang="en-US" smtClean="0"/>
-              <a:t>2020/11/11</a:t>
+              <a:t>2020/11/13</a:t>
             </a:fld>
             <a:endParaRPr lang="zh-TW" altLang="en-US"/>
           </a:p>
@@ -2933,7 +2934,7 @@
           <a:p>
             <a:fld id="{55B5673A-2C76-400E-AECF-A7C5CD58B306}" type="datetimeFigureOut">
               <a:rPr lang="zh-TW" altLang="en-US" smtClean="0"/>
-              <a:t>2020/11/11</a:t>
+              <a:t>2020/11/13</a:t>
             </a:fld>
             <a:endParaRPr lang="zh-TW" altLang="en-US"/>
           </a:p>
@@ -3631,6 +3632,117 @@
 </p:sld>
 </file>
 
+<file path=ppt/slides/slide11.xml><?xml version="1.0" encoding="utf-8"?>
+<p:sld xmlns:a="http://schemas.openxmlformats.org/drawingml/2006/main" xmlns:r="http://schemas.openxmlformats.org/officeDocument/2006/relationships" xmlns:p="http://schemas.openxmlformats.org/presentationml/2006/main">
+  <p:cSld>
+    <p:spTree>
+      <p:nvGrpSpPr>
+        <p:cNvPr id="1" name=""/>
+        <p:cNvGrpSpPr/>
+        <p:nvPr/>
+      </p:nvGrpSpPr>
+      <p:grpSpPr>
+        <a:xfrm>
+          <a:off x="0" y="0"/>
+          <a:ext cx="0" cy="0"/>
+          <a:chOff x="0" y="0"/>
+          <a:chExt cx="0" cy="0"/>
+        </a:xfrm>
+      </p:grpSpPr>
+      <p:sp>
+        <p:nvSpPr>
+          <p:cNvPr id="2" name="標題 1">
+            <a:extLst>
+              <a:ext uri="{FF2B5EF4-FFF2-40B4-BE49-F238E27FC236}">
+                <a16:creationId xmlns:a16="http://schemas.microsoft.com/office/drawing/2014/main" id="{E633A0BA-F3B5-4C42-A074-D8776A9BA3A8}"/>
+              </a:ext>
+            </a:extLst>
+          </p:cNvPr>
+          <p:cNvSpPr>
+            <a:spLocks noGrp="1"/>
+          </p:cNvSpPr>
+          <p:nvPr>
+            <p:ph type="title"/>
+          </p:nvPr>
+        </p:nvSpPr>
+        <p:spPr>
+          <a:xfrm>
+            <a:off x="897362" y="2783256"/>
+            <a:ext cx="10520806" cy="993613"/>
+          </a:xfrm>
+        </p:spPr>
+        <p:txBody>
+          <a:bodyPr/>
+          <a:lstStyle/>
+          <a:p>
+            <a:r>
+              <a:rPr lang="en-US" altLang="zh-TW" b="1" dirty="0">
+                <a:solidFill>
+                  <a:schemeClr val="bg1"/>
+                </a:solidFill>
+              </a:rPr>
+              <a:t>Different History modes</a:t>
+            </a:r>
+            <a:endParaRPr lang="zh-TW" altLang="en-US" b="1" dirty="0">
+              <a:solidFill>
+                <a:schemeClr val="bg1"/>
+              </a:solidFill>
+            </a:endParaRPr>
+          </a:p>
+        </p:txBody>
+      </p:sp>
+      <p:sp>
+        <p:nvSpPr>
+          <p:cNvPr id="5" name="文字方塊 4">
+            <a:extLst>
+              <a:ext uri="{FF2B5EF4-FFF2-40B4-BE49-F238E27FC236}">
+                <a16:creationId xmlns:a16="http://schemas.microsoft.com/office/drawing/2014/main" id="{A26CC12C-830C-4F02-B8B3-2F23AB769E15}"/>
+              </a:ext>
+            </a:extLst>
+          </p:cNvPr>
+          <p:cNvSpPr txBox="1"/>
+          <p:nvPr/>
+        </p:nvSpPr>
+        <p:spPr>
+          <a:xfrm>
+            <a:off x="948478" y="3592203"/>
+            <a:ext cx="8566110" cy="369332"/>
+          </a:xfrm>
+          <a:prstGeom prst="rect">
+            <a:avLst/>
+          </a:prstGeom>
+          <a:noFill/>
+        </p:spPr>
+        <p:txBody>
+          <a:bodyPr wrap="square">
+            <a:spAutoFit/>
+          </a:bodyPr>
+          <a:lstStyle/>
+          <a:p>
+            <a:r>
+              <a:rPr lang="zh-TW" altLang="en-US" dirty="0">
+                <a:solidFill>
+                  <a:schemeClr val="bg1"/>
+                </a:solidFill>
+              </a:rPr>
+              <a:t>https://next.router.vuejs.org/guide/essentials/history-mode.html#hash-mode</a:t>
+            </a:r>
+          </a:p>
+        </p:txBody>
+      </p:sp>
+    </p:spTree>
+    <p:extLst>
+      <p:ext uri="{BB962C8B-B14F-4D97-AF65-F5344CB8AC3E}">
+        <p14:creationId xmlns:p14="http://schemas.microsoft.com/office/powerpoint/2010/main" val="4019249057"/>
+      </p:ext>
+    </p:extLst>
+  </p:cSld>
+  <p:clrMapOvr>
+    <a:masterClrMapping/>
+  </p:clrMapOvr>
+</p:sld>
+</file>
+
 <file path=ppt/slides/slide2.xml><?xml version="1.0" encoding="utf-8"?>
 <p:sld xmlns:a="http://schemas.openxmlformats.org/drawingml/2006/main" xmlns:r="http://schemas.openxmlformats.org/officeDocument/2006/relationships" xmlns:p="http://schemas.openxmlformats.org/presentationml/2006/main">
   <p:cSld>

--- a/04-VUE-CLI-Router-Components/vue-cli.pptx
+++ b/04-VUE-CLI-Router-Components/vue-cli.pptx
@@ -15,7 +15,8 @@
     <p:sldId id="275" r:id="rId9"/>
     <p:sldId id="271" r:id="rId10"/>
     <p:sldId id="276" r:id="rId11"/>
-    <p:sldId id="277" r:id="rId12"/>
+    <p:sldId id="278" r:id="rId12"/>
+    <p:sldId id="277" r:id="rId13"/>
   </p:sldIdLst>
   <p:sldSz cx="12192000" cy="6858000"/>
   <p:notesSz cx="6858000" cy="9144000"/>
@@ -281,7 +282,7 @@
           <a:p>
             <a:fld id="{55B5673A-2C76-400E-AECF-A7C5CD58B306}" type="datetimeFigureOut">
               <a:rPr lang="zh-TW" altLang="en-US" smtClean="0"/>
-              <a:t>2020/11/13</a:t>
+              <a:t>2020/11/15</a:t>
             </a:fld>
             <a:endParaRPr lang="zh-TW" altLang="en-US"/>
           </a:p>
@@ -479,7 +480,7 @@
           <a:p>
             <a:fld id="{55B5673A-2C76-400E-AECF-A7C5CD58B306}" type="datetimeFigureOut">
               <a:rPr lang="zh-TW" altLang="en-US" smtClean="0"/>
-              <a:t>2020/11/13</a:t>
+              <a:t>2020/11/15</a:t>
             </a:fld>
             <a:endParaRPr lang="zh-TW" altLang="en-US"/>
           </a:p>
@@ -687,7 +688,7 @@
           <a:p>
             <a:fld id="{55B5673A-2C76-400E-AECF-A7C5CD58B306}" type="datetimeFigureOut">
               <a:rPr lang="zh-TW" altLang="en-US" smtClean="0"/>
-              <a:t>2020/11/13</a:t>
+              <a:t>2020/11/15</a:t>
             </a:fld>
             <a:endParaRPr lang="zh-TW" altLang="en-US"/>
           </a:p>
@@ -885,7 +886,7 @@
           <a:p>
             <a:fld id="{55B5673A-2C76-400E-AECF-A7C5CD58B306}" type="datetimeFigureOut">
               <a:rPr lang="zh-TW" altLang="en-US" smtClean="0"/>
-              <a:t>2020/11/13</a:t>
+              <a:t>2020/11/15</a:t>
             </a:fld>
             <a:endParaRPr lang="zh-TW" altLang="en-US"/>
           </a:p>
@@ -1160,7 +1161,7 @@
           <a:p>
             <a:fld id="{55B5673A-2C76-400E-AECF-A7C5CD58B306}" type="datetimeFigureOut">
               <a:rPr lang="zh-TW" altLang="en-US" smtClean="0"/>
-              <a:t>2020/11/13</a:t>
+              <a:t>2020/11/15</a:t>
             </a:fld>
             <a:endParaRPr lang="zh-TW" altLang="en-US"/>
           </a:p>
@@ -1425,7 +1426,7 @@
           <a:p>
             <a:fld id="{55B5673A-2C76-400E-AECF-A7C5CD58B306}" type="datetimeFigureOut">
               <a:rPr lang="zh-TW" altLang="en-US" smtClean="0"/>
-              <a:t>2020/11/13</a:t>
+              <a:t>2020/11/15</a:t>
             </a:fld>
             <a:endParaRPr lang="zh-TW" altLang="en-US"/>
           </a:p>
@@ -1837,7 +1838,7 @@
           <a:p>
             <a:fld id="{55B5673A-2C76-400E-AECF-A7C5CD58B306}" type="datetimeFigureOut">
               <a:rPr lang="zh-TW" altLang="en-US" smtClean="0"/>
-              <a:t>2020/11/13</a:t>
+              <a:t>2020/11/15</a:t>
             </a:fld>
             <a:endParaRPr lang="zh-TW" altLang="en-US"/>
           </a:p>
@@ -1978,7 +1979,7 @@
           <a:p>
             <a:fld id="{55B5673A-2C76-400E-AECF-A7C5CD58B306}" type="datetimeFigureOut">
               <a:rPr lang="zh-TW" altLang="en-US" smtClean="0"/>
-              <a:t>2020/11/13</a:t>
+              <a:t>2020/11/15</a:t>
             </a:fld>
             <a:endParaRPr lang="zh-TW" altLang="en-US"/>
           </a:p>
@@ -2091,7 +2092,7 @@
           <a:p>
             <a:fld id="{55B5673A-2C76-400E-AECF-A7C5CD58B306}" type="datetimeFigureOut">
               <a:rPr lang="zh-TW" altLang="en-US" smtClean="0"/>
-              <a:t>2020/11/13</a:t>
+              <a:t>2020/11/15</a:t>
             </a:fld>
             <a:endParaRPr lang="zh-TW" altLang="en-US"/>
           </a:p>
@@ -2402,7 +2403,7 @@
           <a:p>
             <a:fld id="{55B5673A-2C76-400E-AECF-A7C5CD58B306}" type="datetimeFigureOut">
               <a:rPr lang="zh-TW" altLang="en-US" smtClean="0"/>
-              <a:t>2020/11/13</a:t>
+              <a:t>2020/11/15</a:t>
             </a:fld>
             <a:endParaRPr lang="zh-TW" altLang="en-US"/>
           </a:p>
@@ -2690,7 +2691,7 @@
           <a:p>
             <a:fld id="{55B5673A-2C76-400E-AECF-A7C5CD58B306}" type="datetimeFigureOut">
               <a:rPr lang="zh-TW" altLang="en-US" smtClean="0"/>
-              <a:t>2020/11/13</a:t>
+              <a:t>2020/11/15</a:t>
             </a:fld>
             <a:endParaRPr lang="zh-TW" altLang="en-US"/>
           </a:p>
@@ -2934,7 +2935,7 @@
           <a:p>
             <a:fld id="{55B5673A-2C76-400E-AECF-A7C5CD58B306}" type="datetimeFigureOut">
               <a:rPr lang="zh-TW" altLang="en-US" smtClean="0"/>
-              <a:t>2020/11/13</a:t>
+              <a:t>2020/11/15</a:t>
             </a:fld>
             <a:endParaRPr lang="zh-TW" altLang="en-US"/>
           </a:p>
@@ -3651,6 +3652,276 @@
       </p:grpSpPr>
       <p:sp>
         <p:nvSpPr>
+          <p:cNvPr id="5" name="文字方塊 4">
+            <a:extLst>
+              <a:ext uri="{FF2B5EF4-FFF2-40B4-BE49-F238E27FC236}">
+                <a16:creationId xmlns:a16="http://schemas.microsoft.com/office/drawing/2014/main" id="{3E9FEB18-E0DC-44FA-BB0D-898832253526}"/>
+              </a:ext>
+            </a:extLst>
+          </p:cNvPr>
+          <p:cNvSpPr txBox="1"/>
+          <p:nvPr/>
+        </p:nvSpPr>
+        <p:spPr>
+          <a:xfrm>
+            <a:off x="890258" y="2145226"/>
+            <a:ext cx="8685381" cy="584775"/>
+          </a:xfrm>
+          <a:prstGeom prst="rect">
+            <a:avLst/>
+          </a:prstGeom>
+          <a:noFill/>
+        </p:spPr>
+        <p:txBody>
+          <a:bodyPr wrap="square">
+            <a:spAutoFit/>
+          </a:bodyPr>
+          <a:lstStyle/>
+          <a:p>
+            <a:r>
+              <a:rPr lang="zh-TW" altLang="en-US" sz="3200" b="1" dirty="0">
+                <a:solidFill>
+                  <a:schemeClr val="bg1"/>
+                </a:solidFill>
+              </a:rPr>
+              <a:t>createWebHashHistory()</a:t>
+            </a:r>
+          </a:p>
+        </p:txBody>
+      </p:sp>
+      <p:sp>
+        <p:nvSpPr>
+          <p:cNvPr id="7" name="文字方塊 6">
+            <a:extLst>
+              <a:ext uri="{FF2B5EF4-FFF2-40B4-BE49-F238E27FC236}">
+                <a16:creationId xmlns:a16="http://schemas.microsoft.com/office/drawing/2014/main" id="{7E408CF0-EE2B-4532-8EF4-4021D7A3ADC2}"/>
+              </a:ext>
+            </a:extLst>
+          </p:cNvPr>
+          <p:cNvSpPr txBox="1"/>
+          <p:nvPr/>
+        </p:nvSpPr>
+        <p:spPr>
+          <a:xfrm>
+            <a:off x="890259" y="3559424"/>
+            <a:ext cx="8685380" cy="584775"/>
+          </a:xfrm>
+          <a:prstGeom prst="rect">
+            <a:avLst/>
+          </a:prstGeom>
+          <a:noFill/>
+        </p:spPr>
+        <p:txBody>
+          <a:bodyPr wrap="square">
+            <a:spAutoFit/>
+          </a:bodyPr>
+          <a:lstStyle/>
+          <a:p>
+            <a:r>
+              <a:rPr lang="zh-TW" altLang="en-US" sz="3200" b="1" dirty="0">
+                <a:solidFill>
+                  <a:schemeClr val="bg1"/>
+                </a:solidFill>
+              </a:rPr>
+              <a:t>createWebHistory()</a:t>
+            </a:r>
+          </a:p>
+        </p:txBody>
+      </p:sp>
+      <p:sp>
+        <p:nvSpPr>
+          <p:cNvPr id="9" name="文字方塊 8">
+            <a:extLst>
+              <a:ext uri="{FF2B5EF4-FFF2-40B4-BE49-F238E27FC236}">
+                <a16:creationId xmlns:a16="http://schemas.microsoft.com/office/drawing/2014/main" id="{4857085C-2A16-4FE4-9987-108CF4E31961}"/>
+              </a:ext>
+            </a:extLst>
+          </p:cNvPr>
+          <p:cNvSpPr txBox="1"/>
+          <p:nvPr/>
+        </p:nvSpPr>
+        <p:spPr>
+          <a:xfrm>
+            <a:off x="890258" y="2730001"/>
+            <a:ext cx="8685381" cy="369332"/>
+          </a:xfrm>
+          <a:prstGeom prst="rect">
+            <a:avLst/>
+          </a:prstGeom>
+          <a:noFill/>
+        </p:spPr>
+        <p:txBody>
+          <a:bodyPr wrap="square">
+            <a:spAutoFit/>
+          </a:bodyPr>
+          <a:lstStyle/>
+          <a:p>
+            <a:r>
+              <a:rPr lang="zh-TW" altLang="en-US" b="1" dirty="0">
+                <a:solidFill>
+                  <a:schemeClr val="bg1"/>
+                </a:solidFill>
+                <a:latin typeface="微軟正黑體" panose="020B0604030504040204" pitchFamily="34" charset="-120"/>
+                <a:ea typeface="微軟正黑體" panose="020B0604030504040204" pitchFamily="34" charset="-120"/>
+              </a:rPr>
+              <a:t>會透過 </a:t>
+            </a:r>
+            <a:r>
+              <a:rPr lang="en-US" altLang="zh-TW" b="1" dirty="0">
+                <a:solidFill>
+                  <a:schemeClr val="bg1"/>
+                </a:solidFill>
+                <a:latin typeface="微軟正黑體" panose="020B0604030504040204" pitchFamily="34" charset="-120"/>
+                <a:ea typeface="微軟正黑體" panose="020B0604030504040204" pitchFamily="34" charset="-120"/>
+              </a:rPr>
+              <a:t>#</a:t>
+            </a:r>
+            <a:r>
+              <a:rPr lang="zh-TW" altLang="en-US" b="1" dirty="0">
+                <a:solidFill>
+                  <a:schemeClr val="bg1"/>
+                </a:solidFill>
+                <a:latin typeface="微軟正黑體" panose="020B0604030504040204" pitchFamily="34" charset="-120"/>
+                <a:ea typeface="微軟正黑體" panose="020B0604030504040204" pitchFamily="34" charset="-120"/>
+              </a:rPr>
+              <a:t> 字號來當作網址切換的操作，但是會跟錨點相撞，對</a:t>
+            </a:r>
+            <a:r>
+              <a:rPr lang="en-US" altLang="zh-TW" b="1" dirty="0">
+                <a:solidFill>
+                  <a:schemeClr val="bg1"/>
+                </a:solidFill>
+                <a:latin typeface="微軟正黑體" panose="020B0604030504040204" pitchFamily="34" charset="-120"/>
+                <a:ea typeface="微軟正黑體" panose="020B0604030504040204" pitchFamily="34" charset="-120"/>
+              </a:rPr>
+              <a:t>SEO</a:t>
+            </a:r>
+            <a:r>
+              <a:rPr lang="zh-TW" altLang="en-US" b="1" dirty="0">
+                <a:solidFill>
+                  <a:schemeClr val="bg1"/>
+                </a:solidFill>
+                <a:latin typeface="微軟正黑體" panose="020B0604030504040204" pitchFamily="34" charset="-120"/>
+                <a:ea typeface="微軟正黑體" panose="020B0604030504040204" pitchFamily="34" charset="-120"/>
+              </a:rPr>
+              <a:t>有不利的影響</a:t>
+            </a:r>
+          </a:p>
+        </p:txBody>
+      </p:sp>
+      <p:sp>
+        <p:nvSpPr>
+          <p:cNvPr id="11" name="文字方塊 10">
+            <a:extLst>
+              <a:ext uri="{FF2B5EF4-FFF2-40B4-BE49-F238E27FC236}">
+                <a16:creationId xmlns:a16="http://schemas.microsoft.com/office/drawing/2014/main" id="{B839C1EF-853F-40CB-9DAA-CA0D02CB13CB}"/>
+              </a:ext>
+            </a:extLst>
+          </p:cNvPr>
+          <p:cNvSpPr txBox="1"/>
+          <p:nvPr/>
+        </p:nvSpPr>
+        <p:spPr>
+          <a:xfrm>
+            <a:off x="890258" y="4158990"/>
+            <a:ext cx="9963272" cy="369332"/>
+          </a:xfrm>
+          <a:prstGeom prst="rect">
+            <a:avLst/>
+          </a:prstGeom>
+          <a:noFill/>
+        </p:spPr>
+        <p:txBody>
+          <a:bodyPr wrap="square">
+            <a:spAutoFit/>
+          </a:bodyPr>
+          <a:lstStyle/>
+          <a:p>
+            <a:r>
+              <a:rPr lang="zh-TW" altLang="en-US" b="1" dirty="0">
+                <a:solidFill>
+                  <a:schemeClr val="bg1"/>
+                </a:solidFill>
+                <a:latin typeface="微軟正黑體" panose="020B0604030504040204" pitchFamily="34" charset="-120"/>
+                <a:ea typeface="微軟正黑體" panose="020B0604030504040204" pitchFamily="34" charset="-120"/>
+              </a:rPr>
+              <a:t>需要跟後端搭配重新配置根目錄下的</a:t>
+            </a:r>
+            <a:r>
+              <a:rPr lang="en-US" altLang="zh-TW" b="1" dirty="0">
+                <a:solidFill>
+                  <a:schemeClr val="bg1"/>
+                </a:solidFill>
+                <a:latin typeface="微軟正黑體" panose="020B0604030504040204" pitchFamily="34" charset="-120"/>
+                <a:ea typeface="微軟正黑體" panose="020B0604030504040204" pitchFamily="34" charset="-120"/>
+              </a:rPr>
+              <a:t>router</a:t>
+            </a:r>
+            <a:r>
+              <a:rPr lang="zh-TW" altLang="en-US" b="1" dirty="0">
+                <a:solidFill>
+                  <a:schemeClr val="bg1"/>
+                </a:solidFill>
+                <a:latin typeface="微軟正黑體" panose="020B0604030504040204" pitchFamily="34" charset="-120"/>
+                <a:ea typeface="微軟正黑體" panose="020B0604030504040204" pitchFamily="34" charset="-120"/>
+              </a:rPr>
+              <a:t>，還要自己配置例外處理的頁面例如</a:t>
+            </a:r>
+            <a:r>
+              <a:rPr lang="en-US" altLang="zh-TW" b="1" dirty="0">
+                <a:solidFill>
+                  <a:schemeClr val="bg1"/>
+                </a:solidFill>
+                <a:latin typeface="微軟正黑體" panose="020B0604030504040204" pitchFamily="34" charset="-120"/>
+                <a:ea typeface="微軟正黑體" panose="020B0604030504040204" pitchFamily="34" charset="-120"/>
+              </a:rPr>
+              <a:t>404</a:t>
+            </a:r>
+            <a:r>
+              <a:rPr lang="zh-TW" altLang="en-US" b="1" dirty="0">
+                <a:solidFill>
+                  <a:schemeClr val="bg1"/>
+                </a:solidFill>
+                <a:latin typeface="微軟正黑體" panose="020B0604030504040204" pitchFamily="34" charset="-120"/>
+                <a:ea typeface="微軟正黑體" panose="020B0604030504040204" pitchFamily="34" charset="-120"/>
+              </a:rPr>
+              <a:t>等</a:t>
+            </a:r>
+          </a:p>
+        </p:txBody>
+      </p:sp>
+    </p:spTree>
+    <p:extLst>
+      <p:ext uri="{BB962C8B-B14F-4D97-AF65-F5344CB8AC3E}">
+        <p14:creationId xmlns:p14="http://schemas.microsoft.com/office/powerpoint/2010/main" val="1973780305"/>
+      </p:ext>
+    </p:extLst>
+  </p:cSld>
+  <p:clrMapOvr>
+    <a:masterClrMapping/>
+  </p:clrMapOvr>
+</p:sld>
+</file>
+
+<file path=ppt/slides/slide12.xml><?xml version="1.0" encoding="utf-8"?>
+<p:sld xmlns:a="http://schemas.openxmlformats.org/drawingml/2006/main" xmlns:r="http://schemas.openxmlformats.org/officeDocument/2006/relationships" xmlns:p="http://schemas.openxmlformats.org/presentationml/2006/main">
+  <p:cSld>
+    <p:spTree>
+      <p:nvGrpSpPr>
+        <p:cNvPr id="1" name=""/>
+        <p:cNvGrpSpPr/>
+        <p:nvPr/>
+      </p:nvGrpSpPr>
+      <p:grpSpPr>
+        <a:xfrm>
+          <a:off x="0" y="0"/>
+          <a:ext cx="0" cy="0"/>
+          <a:chOff x="0" y="0"/>
+          <a:chExt cx="0" cy="0"/>
+        </a:xfrm>
+      </p:grpSpPr>
+      <p:sp>
+        <p:nvSpPr>
           <p:cNvPr id="2" name="標題 1">
             <a:extLst>
               <a:ext uri="{FF2B5EF4-FFF2-40B4-BE49-F238E27FC236}">

--- a/04-VUE-CLI-Router-Components/vue-cli.pptx
+++ b/04-VUE-CLI-Router-Components/vue-cli.pptx
@@ -17,6 +17,7 @@
     <p:sldId id="276" r:id="rId11"/>
     <p:sldId id="278" r:id="rId12"/>
     <p:sldId id="277" r:id="rId13"/>
+    <p:sldId id="279" r:id="rId14"/>
   </p:sldIdLst>
   <p:sldSz cx="12192000" cy="6858000"/>
   <p:notesSz cx="6858000" cy="9144000"/>
@@ -282,7 +283,7 @@
           <a:p>
             <a:fld id="{55B5673A-2C76-400E-AECF-A7C5CD58B306}" type="datetimeFigureOut">
               <a:rPr lang="zh-TW" altLang="en-US" smtClean="0"/>
-              <a:t>2020/11/15</a:t>
+              <a:t>2020/11/16</a:t>
             </a:fld>
             <a:endParaRPr lang="zh-TW" altLang="en-US"/>
           </a:p>
@@ -480,7 +481,7 @@
           <a:p>
             <a:fld id="{55B5673A-2C76-400E-AECF-A7C5CD58B306}" type="datetimeFigureOut">
               <a:rPr lang="zh-TW" altLang="en-US" smtClean="0"/>
-              <a:t>2020/11/15</a:t>
+              <a:t>2020/11/16</a:t>
             </a:fld>
             <a:endParaRPr lang="zh-TW" altLang="en-US"/>
           </a:p>
@@ -688,7 +689,7 @@
           <a:p>
             <a:fld id="{55B5673A-2C76-400E-AECF-A7C5CD58B306}" type="datetimeFigureOut">
               <a:rPr lang="zh-TW" altLang="en-US" smtClean="0"/>
-              <a:t>2020/11/15</a:t>
+              <a:t>2020/11/16</a:t>
             </a:fld>
             <a:endParaRPr lang="zh-TW" altLang="en-US"/>
           </a:p>
@@ -886,7 +887,7 @@
           <a:p>
             <a:fld id="{55B5673A-2C76-400E-AECF-A7C5CD58B306}" type="datetimeFigureOut">
               <a:rPr lang="zh-TW" altLang="en-US" smtClean="0"/>
-              <a:t>2020/11/15</a:t>
+              <a:t>2020/11/16</a:t>
             </a:fld>
             <a:endParaRPr lang="zh-TW" altLang="en-US"/>
           </a:p>
@@ -1161,7 +1162,7 @@
           <a:p>
             <a:fld id="{55B5673A-2C76-400E-AECF-A7C5CD58B306}" type="datetimeFigureOut">
               <a:rPr lang="zh-TW" altLang="en-US" smtClean="0"/>
-              <a:t>2020/11/15</a:t>
+              <a:t>2020/11/16</a:t>
             </a:fld>
             <a:endParaRPr lang="zh-TW" altLang="en-US"/>
           </a:p>
@@ -1426,7 +1427,7 @@
           <a:p>
             <a:fld id="{55B5673A-2C76-400E-AECF-A7C5CD58B306}" type="datetimeFigureOut">
               <a:rPr lang="zh-TW" altLang="en-US" smtClean="0"/>
-              <a:t>2020/11/15</a:t>
+              <a:t>2020/11/16</a:t>
             </a:fld>
             <a:endParaRPr lang="zh-TW" altLang="en-US"/>
           </a:p>
@@ -1838,7 +1839,7 @@
           <a:p>
             <a:fld id="{55B5673A-2C76-400E-AECF-A7C5CD58B306}" type="datetimeFigureOut">
               <a:rPr lang="zh-TW" altLang="en-US" smtClean="0"/>
-              <a:t>2020/11/15</a:t>
+              <a:t>2020/11/16</a:t>
             </a:fld>
             <a:endParaRPr lang="zh-TW" altLang="en-US"/>
           </a:p>
@@ -1979,7 +1980,7 @@
           <a:p>
             <a:fld id="{55B5673A-2C76-400E-AECF-A7C5CD58B306}" type="datetimeFigureOut">
               <a:rPr lang="zh-TW" altLang="en-US" smtClean="0"/>
-              <a:t>2020/11/15</a:t>
+              <a:t>2020/11/16</a:t>
             </a:fld>
             <a:endParaRPr lang="zh-TW" altLang="en-US"/>
           </a:p>
@@ -2092,7 +2093,7 @@
           <a:p>
             <a:fld id="{55B5673A-2C76-400E-AECF-A7C5CD58B306}" type="datetimeFigureOut">
               <a:rPr lang="zh-TW" altLang="en-US" smtClean="0"/>
-              <a:t>2020/11/15</a:t>
+              <a:t>2020/11/16</a:t>
             </a:fld>
             <a:endParaRPr lang="zh-TW" altLang="en-US"/>
           </a:p>
@@ -2403,7 +2404,7 @@
           <a:p>
             <a:fld id="{55B5673A-2C76-400E-AECF-A7C5CD58B306}" type="datetimeFigureOut">
               <a:rPr lang="zh-TW" altLang="en-US" smtClean="0"/>
-              <a:t>2020/11/15</a:t>
+              <a:t>2020/11/16</a:t>
             </a:fld>
             <a:endParaRPr lang="zh-TW" altLang="en-US"/>
           </a:p>
@@ -2691,7 +2692,7 @@
           <a:p>
             <a:fld id="{55B5673A-2C76-400E-AECF-A7C5CD58B306}" type="datetimeFigureOut">
               <a:rPr lang="zh-TW" altLang="en-US" smtClean="0"/>
-              <a:t>2020/11/15</a:t>
+              <a:t>2020/11/16</a:t>
             </a:fld>
             <a:endParaRPr lang="zh-TW" altLang="en-US"/>
           </a:p>
@@ -2935,7 +2936,7 @@
           <a:p>
             <a:fld id="{55B5673A-2C76-400E-AECF-A7C5CD58B306}" type="datetimeFigureOut">
               <a:rPr lang="zh-TW" altLang="en-US" smtClean="0"/>
-              <a:t>2020/11/15</a:t>
+              <a:t>2020/11/16</a:t>
             </a:fld>
             <a:endParaRPr lang="zh-TW" altLang="en-US"/>
           </a:p>
@@ -4014,6 +4015,162 @@
 </p:sld>
 </file>
 
+<file path=ppt/slides/slide13.xml><?xml version="1.0" encoding="utf-8"?>
+<p:sld xmlns:a="http://schemas.openxmlformats.org/drawingml/2006/main" xmlns:r="http://schemas.openxmlformats.org/officeDocument/2006/relationships" xmlns:p="http://schemas.openxmlformats.org/presentationml/2006/main">
+  <p:cSld>
+    <p:spTree>
+      <p:nvGrpSpPr>
+        <p:cNvPr id="1" name=""/>
+        <p:cNvGrpSpPr/>
+        <p:nvPr/>
+      </p:nvGrpSpPr>
+      <p:grpSpPr>
+        <a:xfrm>
+          <a:off x="0" y="0"/>
+          <a:ext cx="0" cy="0"/>
+          <a:chOff x="0" y="0"/>
+          <a:chExt cx="0" cy="0"/>
+        </a:xfrm>
+      </p:grpSpPr>
+      <p:sp>
+        <p:nvSpPr>
+          <p:cNvPr id="2" name="標題 1">
+            <a:extLst>
+              <a:ext uri="{FF2B5EF4-FFF2-40B4-BE49-F238E27FC236}">
+                <a16:creationId xmlns:a16="http://schemas.microsoft.com/office/drawing/2014/main" id="{E633A0BA-F3B5-4C42-A074-D8776A9BA3A8}"/>
+              </a:ext>
+            </a:extLst>
+          </p:cNvPr>
+          <p:cNvSpPr>
+            <a:spLocks noGrp="1"/>
+          </p:cNvSpPr>
+          <p:nvPr>
+            <p:ph type="title"/>
+          </p:nvPr>
+        </p:nvSpPr>
+        <p:spPr>
+          <a:xfrm>
+            <a:off x="897362" y="2783256"/>
+            <a:ext cx="10520806" cy="993613"/>
+          </a:xfrm>
+        </p:spPr>
+        <p:txBody>
+          <a:bodyPr>
+            <a:normAutofit/>
+          </a:bodyPr>
+          <a:lstStyle/>
+          <a:p>
+            <a:pPr algn="l"/>
+            <a:r>
+              <a:rPr lang="en-US" altLang="zh-TW" b="1" i="0" dirty="0">
+                <a:solidFill>
+                  <a:schemeClr val="bg1"/>
+                </a:solidFill>
+                <a:effectLst/>
+                <a:latin typeface="-apple-system"/>
+              </a:rPr>
+              <a:t>Nested Routes</a:t>
+            </a:r>
+            <a:endParaRPr lang="zh-TW" altLang="en-US" b="1" dirty="0">
+              <a:solidFill>
+                <a:schemeClr val="bg1"/>
+              </a:solidFill>
+            </a:endParaRPr>
+          </a:p>
+        </p:txBody>
+      </p:sp>
+      <p:sp>
+        <p:nvSpPr>
+          <p:cNvPr id="5" name="文字方塊 4">
+            <a:extLst>
+              <a:ext uri="{FF2B5EF4-FFF2-40B4-BE49-F238E27FC236}">
+                <a16:creationId xmlns:a16="http://schemas.microsoft.com/office/drawing/2014/main" id="{A26CC12C-830C-4F02-B8B3-2F23AB769E15}"/>
+              </a:ext>
+            </a:extLst>
+          </p:cNvPr>
+          <p:cNvSpPr txBox="1"/>
+          <p:nvPr/>
+        </p:nvSpPr>
+        <p:spPr>
+          <a:xfrm>
+            <a:off x="948478" y="3592203"/>
+            <a:ext cx="8566110" cy="369332"/>
+          </a:xfrm>
+          <a:prstGeom prst="rect">
+            <a:avLst/>
+          </a:prstGeom>
+          <a:noFill/>
+        </p:spPr>
+        <p:txBody>
+          <a:bodyPr wrap="square">
+            <a:spAutoFit/>
+          </a:bodyPr>
+          <a:lstStyle/>
+          <a:p>
+            <a:pPr marL="0" marR="0" lvl="0" indent="0" algn="l" defTabSz="914400" rtl="0" eaLnBrk="1" fontAlgn="auto" latinLnBrk="0" hangingPunct="1">
+              <a:lnSpc>
+                <a:spcPct val="100000"/>
+              </a:lnSpc>
+              <a:spcBef>
+                <a:spcPts val="0"/>
+              </a:spcBef>
+              <a:spcAft>
+                <a:spcPts val="0"/>
+              </a:spcAft>
+              <a:buClrTx/>
+              <a:buSzTx/>
+              <a:buFontTx/>
+              <a:buNone/>
+              <a:tabLst/>
+              <a:defRPr/>
+            </a:pPr>
+            <a:r>
+              <a:rPr kumimoji="0" lang="en-US" altLang="zh-TW" sz="1800" b="0" i="0" u="none" strike="noStrike" kern="1200" cap="none" spc="0" normalizeH="0" baseline="0" noProof="0" dirty="0">
+                <a:ln>
+                  <a:noFill/>
+                </a:ln>
+                <a:solidFill>
+                  <a:prstClr val="white"/>
+                </a:solidFill>
+                <a:effectLst/>
+                <a:uLnTx/>
+                <a:uFillTx/>
+                <a:latin typeface="Calibri" panose="020F0502020204030204"/>
+                <a:ea typeface="新細明體" panose="02020500000000000000" pitchFamily="18" charset="-120"/>
+                <a:cs typeface="+mn-cs"/>
+              </a:rPr>
+              <a:t>https://next.router.vuejs.org/guide/essentials/nested-routes.html#nested-routes</a:t>
+            </a:r>
+            <a:endParaRPr kumimoji="0" lang="zh-TW" altLang="en-US" sz="1800" b="0" i="0" u="none" strike="noStrike" kern="1200" cap="none" spc="0" normalizeH="0" baseline="0" noProof="0" dirty="0">
+              <a:ln>
+                <a:noFill/>
+              </a:ln>
+              <a:solidFill>
+                <a:prstClr val="white"/>
+              </a:solidFill>
+              <a:effectLst/>
+              <a:uLnTx/>
+              <a:uFillTx/>
+              <a:latin typeface="Calibri" panose="020F0502020204030204"/>
+              <a:ea typeface="新細明體" panose="02020500000000000000" pitchFamily="18" charset="-120"/>
+              <a:cs typeface="+mn-cs"/>
+            </a:endParaRPr>
+          </a:p>
+        </p:txBody>
+      </p:sp>
+    </p:spTree>
+    <p:extLst>
+      <p:ext uri="{BB962C8B-B14F-4D97-AF65-F5344CB8AC3E}">
+        <p14:creationId xmlns:p14="http://schemas.microsoft.com/office/powerpoint/2010/main" val="3271214199"/>
+      </p:ext>
+    </p:extLst>
+  </p:cSld>
+  <p:clrMapOvr>
+    <a:masterClrMapping/>
+  </p:clrMapOvr>
+</p:sld>
+</file>
+
 <file path=ppt/slides/slide2.xml><?xml version="1.0" encoding="utf-8"?>
 <p:sld xmlns:a="http://schemas.openxmlformats.org/drawingml/2006/main" xmlns:r="http://schemas.openxmlformats.org/officeDocument/2006/relationships" xmlns:p="http://schemas.openxmlformats.org/presentationml/2006/main">
   <p:cSld>

--- a/04-VUE-CLI-Router-Components/vue-cli.pptx
+++ b/04-VUE-CLI-Router-Components/vue-cli.pptx
@@ -17,7 +17,6 @@
     <p:sldId id="276" r:id="rId11"/>
     <p:sldId id="278" r:id="rId12"/>
     <p:sldId id="277" r:id="rId13"/>
-    <p:sldId id="279" r:id="rId14"/>
   </p:sldIdLst>
   <p:sldSz cx="12192000" cy="6858000"/>
   <p:notesSz cx="6858000" cy="9144000"/>
@@ -4015,162 +4014,6 @@
 </p:sld>
 </file>
 
-<file path=ppt/slides/slide13.xml><?xml version="1.0" encoding="utf-8"?>
-<p:sld xmlns:a="http://schemas.openxmlformats.org/drawingml/2006/main" xmlns:r="http://schemas.openxmlformats.org/officeDocument/2006/relationships" xmlns:p="http://schemas.openxmlformats.org/presentationml/2006/main">
-  <p:cSld>
-    <p:spTree>
-      <p:nvGrpSpPr>
-        <p:cNvPr id="1" name=""/>
-        <p:cNvGrpSpPr/>
-        <p:nvPr/>
-      </p:nvGrpSpPr>
-      <p:grpSpPr>
-        <a:xfrm>
-          <a:off x="0" y="0"/>
-          <a:ext cx="0" cy="0"/>
-          <a:chOff x="0" y="0"/>
-          <a:chExt cx="0" cy="0"/>
-        </a:xfrm>
-      </p:grpSpPr>
-      <p:sp>
-        <p:nvSpPr>
-          <p:cNvPr id="2" name="標題 1">
-            <a:extLst>
-              <a:ext uri="{FF2B5EF4-FFF2-40B4-BE49-F238E27FC236}">
-                <a16:creationId xmlns:a16="http://schemas.microsoft.com/office/drawing/2014/main" id="{E633A0BA-F3B5-4C42-A074-D8776A9BA3A8}"/>
-              </a:ext>
-            </a:extLst>
-          </p:cNvPr>
-          <p:cNvSpPr>
-            <a:spLocks noGrp="1"/>
-          </p:cNvSpPr>
-          <p:nvPr>
-            <p:ph type="title"/>
-          </p:nvPr>
-        </p:nvSpPr>
-        <p:spPr>
-          <a:xfrm>
-            <a:off x="897362" y="2783256"/>
-            <a:ext cx="10520806" cy="993613"/>
-          </a:xfrm>
-        </p:spPr>
-        <p:txBody>
-          <a:bodyPr>
-            <a:normAutofit/>
-          </a:bodyPr>
-          <a:lstStyle/>
-          <a:p>
-            <a:pPr algn="l"/>
-            <a:r>
-              <a:rPr lang="en-US" altLang="zh-TW" b="1" i="0" dirty="0">
-                <a:solidFill>
-                  <a:schemeClr val="bg1"/>
-                </a:solidFill>
-                <a:effectLst/>
-                <a:latin typeface="-apple-system"/>
-              </a:rPr>
-              <a:t>Nested Routes</a:t>
-            </a:r>
-            <a:endParaRPr lang="zh-TW" altLang="en-US" b="1" dirty="0">
-              <a:solidFill>
-                <a:schemeClr val="bg1"/>
-              </a:solidFill>
-            </a:endParaRPr>
-          </a:p>
-        </p:txBody>
-      </p:sp>
-      <p:sp>
-        <p:nvSpPr>
-          <p:cNvPr id="5" name="文字方塊 4">
-            <a:extLst>
-              <a:ext uri="{FF2B5EF4-FFF2-40B4-BE49-F238E27FC236}">
-                <a16:creationId xmlns:a16="http://schemas.microsoft.com/office/drawing/2014/main" id="{A26CC12C-830C-4F02-B8B3-2F23AB769E15}"/>
-              </a:ext>
-            </a:extLst>
-          </p:cNvPr>
-          <p:cNvSpPr txBox="1"/>
-          <p:nvPr/>
-        </p:nvSpPr>
-        <p:spPr>
-          <a:xfrm>
-            <a:off x="948478" y="3592203"/>
-            <a:ext cx="8566110" cy="369332"/>
-          </a:xfrm>
-          <a:prstGeom prst="rect">
-            <a:avLst/>
-          </a:prstGeom>
-          <a:noFill/>
-        </p:spPr>
-        <p:txBody>
-          <a:bodyPr wrap="square">
-            <a:spAutoFit/>
-          </a:bodyPr>
-          <a:lstStyle/>
-          <a:p>
-            <a:pPr marL="0" marR="0" lvl="0" indent="0" algn="l" defTabSz="914400" rtl="0" eaLnBrk="1" fontAlgn="auto" latinLnBrk="0" hangingPunct="1">
-              <a:lnSpc>
-                <a:spcPct val="100000"/>
-              </a:lnSpc>
-              <a:spcBef>
-                <a:spcPts val="0"/>
-              </a:spcBef>
-              <a:spcAft>
-                <a:spcPts val="0"/>
-              </a:spcAft>
-              <a:buClrTx/>
-              <a:buSzTx/>
-              <a:buFontTx/>
-              <a:buNone/>
-              <a:tabLst/>
-              <a:defRPr/>
-            </a:pPr>
-            <a:r>
-              <a:rPr kumimoji="0" lang="en-US" altLang="zh-TW" sz="1800" b="0" i="0" u="none" strike="noStrike" kern="1200" cap="none" spc="0" normalizeH="0" baseline="0" noProof="0" dirty="0">
-                <a:ln>
-                  <a:noFill/>
-                </a:ln>
-                <a:solidFill>
-                  <a:prstClr val="white"/>
-                </a:solidFill>
-                <a:effectLst/>
-                <a:uLnTx/>
-                <a:uFillTx/>
-                <a:latin typeface="Calibri" panose="020F0502020204030204"/>
-                <a:ea typeface="新細明體" panose="02020500000000000000" pitchFamily="18" charset="-120"/>
-                <a:cs typeface="+mn-cs"/>
-              </a:rPr>
-              <a:t>https://next.router.vuejs.org/guide/essentials/nested-routes.html#nested-routes</a:t>
-            </a:r>
-            <a:endParaRPr kumimoji="0" lang="zh-TW" altLang="en-US" sz="1800" b="0" i="0" u="none" strike="noStrike" kern="1200" cap="none" spc="0" normalizeH="0" baseline="0" noProof="0" dirty="0">
-              <a:ln>
-                <a:noFill/>
-              </a:ln>
-              <a:solidFill>
-                <a:prstClr val="white"/>
-              </a:solidFill>
-              <a:effectLst/>
-              <a:uLnTx/>
-              <a:uFillTx/>
-              <a:latin typeface="Calibri" panose="020F0502020204030204"/>
-              <a:ea typeface="新細明體" panose="02020500000000000000" pitchFamily="18" charset="-120"/>
-              <a:cs typeface="+mn-cs"/>
-            </a:endParaRPr>
-          </a:p>
-        </p:txBody>
-      </p:sp>
-    </p:spTree>
-    <p:extLst>
-      <p:ext uri="{BB962C8B-B14F-4D97-AF65-F5344CB8AC3E}">
-        <p14:creationId xmlns:p14="http://schemas.microsoft.com/office/powerpoint/2010/main" val="3271214199"/>
-      </p:ext>
-    </p:extLst>
-  </p:cSld>
-  <p:clrMapOvr>
-    <a:masterClrMapping/>
-  </p:clrMapOvr>
-</p:sld>
-</file>
-
 <file path=ppt/slides/slide2.xml><?xml version="1.0" encoding="utf-8"?>
 <p:sld xmlns:a="http://schemas.openxmlformats.org/drawingml/2006/main" xmlns:r="http://schemas.openxmlformats.org/officeDocument/2006/relationships" xmlns:p="http://schemas.openxmlformats.org/presentationml/2006/main">
   <p:cSld>
